--- a/SouthernFriedFSharp2019/slides/GettingStartedFsJupyterNotebooks.pptx
+++ b/SouthernFriedFSharp2019/slides/GettingStartedFsJupyterNotebooks.pptx
@@ -5,28 +5,30 @@
     <p:sldMasterId id="2147483648" r:id="rId1"/>
   </p:sldMasterIdLst>
   <p:notesMasterIdLst>
-    <p:notesMasterId r:id="rId21"/>
+    <p:notesMasterId r:id="rId23"/>
   </p:notesMasterIdLst>
   <p:sldIdLst>
     <p:sldId id="256" r:id="rId2"/>
     <p:sldId id="258" r:id="rId3"/>
-    <p:sldId id="257" r:id="rId4"/>
-    <p:sldId id="260" r:id="rId5"/>
-    <p:sldId id="261" r:id="rId6"/>
-    <p:sldId id="270" r:id="rId7"/>
-    <p:sldId id="277" r:id="rId8"/>
-    <p:sldId id="262" r:id="rId9"/>
-    <p:sldId id="279" r:id="rId10"/>
-    <p:sldId id="263" r:id="rId11"/>
-    <p:sldId id="265" r:id="rId12"/>
-    <p:sldId id="264" r:id="rId13"/>
-    <p:sldId id="272" r:id="rId14"/>
-    <p:sldId id="273" r:id="rId15"/>
-    <p:sldId id="274" r:id="rId16"/>
-    <p:sldId id="271" r:id="rId17"/>
-    <p:sldId id="267" r:id="rId18"/>
-    <p:sldId id="269" r:id="rId19"/>
-    <p:sldId id="275" r:id="rId20"/>
+    <p:sldId id="280" r:id="rId4"/>
+    <p:sldId id="257" r:id="rId5"/>
+    <p:sldId id="260" r:id="rId6"/>
+    <p:sldId id="261" r:id="rId7"/>
+    <p:sldId id="270" r:id="rId8"/>
+    <p:sldId id="277" r:id="rId9"/>
+    <p:sldId id="262" r:id="rId10"/>
+    <p:sldId id="279" r:id="rId11"/>
+    <p:sldId id="263" r:id="rId12"/>
+    <p:sldId id="265" r:id="rId13"/>
+    <p:sldId id="264" r:id="rId14"/>
+    <p:sldId id="272" r:id="rId15"/>
+    <p:sldId id="273" r:id="rId16"/>
+    <p:sldId id="274" r:id="rId17"/>
+    <p:sldId id="271" r:id="rId18"/>
+    <p:sldId id="267" r:id="rId19"/>
+    <p:sldId id="269" r:id="rId20"/>
+    <p:sldId id="282" r:id="rId21"/>
+    <p:sldId id="275" r:id="rId22"/>
   </p:sldIdLst>
   <p:sldSz cx="12192000" cy="6858000"/>
   <p:notesSz cx="6858000" cy="9144000"/>
@@ -8905,6 +8907,7 @@
               </a:ext>
             </a:extLst>
           </a:blip>
+          <a:srcRect/>
           <a:stretch>
             <a:fillRect/>
           </a:stretch>
@@ -8915,7 +8918,7 @@
       </dgm:spPr>
       <dgm:extLst>
         <a:ext uri="{E40237B7-FDA0-4F09-8148-C483321AD2D9}">
-          <dgm14:cNvPr xmlns:dgm14="http://schemas.microsoft.com/office/drawing/2010/diagram" id="0" name="" descr="Repeat"/>
+          <dgm14:cNvPr xmlns:dgm14="http://schemas.microsoft.com/office/drawing/2010/diagram" id="0" name="" descr="Teacher"/>
         </a:ext>
       </dgm:extLst>
     </dgm:pt>
@@ -9266,8 +9269,8 @@
         <a:lstStyle/>
         <a:p>
           <a:r>
-            <a:rPr lang="en-US"/>
-            <a:t>Collaborative</a:t>
+            <a:rPr lang="en-US" dirty="0"/>
+            <a:t>Collaborative?</a:t>
           </a:r>
         </a:p>
       </dgm:t>
@@ -9361,6 +9364,7 @@
               </a:ext>
             </a:extLst>
           </a:blip>
+          <a:srcRect/>
           <a:stretch>
             <a:fillRect/>
           </a:stretch>
@@ -9878,6 +9882,7 @@
               </a:ext>
             </a:extLst>
           </a:blip>
+          <a:srcRect/>
           <a:stretch>
             <a:fillRect/>
           </a:stretch>
@@ -9888,7 +9893,7 @@
       </dgm:spPr>
       <dgm:extLst>
         <a:ext uri="{E40237B7-FDA0-4F09-8148-C483321AD2D9}">
-          <dgm14:cNvPr xmlns:dgm14="http://schemas.microsoft.com/office/drawing/2010/diagram" id="0" name="" descr="Repeat"/>
+          <dgm14:cNvPr xmlns:dgm14="http://schemas.microsoft.com/office/drawing/2010/diagram" id="0" name="" descr="Teacher"/>
         </a:ext>
       </dgm:extLst>
     </dgm:pt>
@@ -12120,7 +12125,7 @@
         </a:bodyPr>
         <a:lstStyle/>
         <a:p>
-          <a:pPr marL="0" lvl="0" indent="0" algn="l" defTabSz="800100">
+          <a:pPr marL="0" lvl="0" indent="0" algn="l" defTabSz="533400">
             <a:lnSpc>
               <a:spcPct val="90000"/>
             </a:lnSpc>
@@ -12133,12 +12138,12 @@
             <a:buNone/>
           </a:pPr>
           <a:r>
-            <a:rPr lang="en-US" sz="1800" kern="1200"/>
+            <a:rPr lang="en-US" sz="1200" kern="1200"/>
             <a:t>REPL</a:t>
           </a:r>
         </a:p>
         <a:p>
-          <a:pPr marL="0" lvl="0" indent="0" algn="l" defTabSz="800100">
+          <a:pPr marL="0" lvl="0" indent="0" algn="l" defTabSz="533400">
             <a:lnSpc>
               <a:spcPct val="90000"/>
             </a:lnSpc>
@@ -12151,13 +12156,13 @@
             <a:buNone/>
           </a:pPr>
           <a:r>
-            <a:rPr lang="en-US" sz="1800" kern="1200" dirty="0" err="1"/>
+            <a:rPr lang="en-US" sz="1200" kern="1200" dirty="0" err="1"/>
             <a:t>Fsharp.Formatting</a:t>
           </a:r>
-          <a:endParaRPr lang="en-US" sz="1800" kern="1200" dirty="0"/>
+          <a:endParaRPr lang="en-US" sz="1200" kern="1200" dirty="0"/>
         </a:p>
         <a:p>
-          <a:pPr marL="0" lvl="0" indent="0" algn="l" defTabSz="800100">
+          <a:pPr marL="0" lvl="0" indent="0" algn="l" defTabSz="533400">
             <a:lnSpc>
               <a:spcPct val="90000"/>
             </a:lnSpc>
@@ -12170,7 +12175,7 @@
             <a:buNone/>
           </a:pPr>
           <a:r>
-            <a:rPr lang="en-US" sz="1800" kern="1200"/>
+            <a:rPr lang="en-US" sz="1200" kern="1200"/>
             <a:t>FsLab Journal</a:t>
           </a:r>
         </a:p>
@@ -12370,7 +12375,7 @@
         </a:bodyPr>
         <a:lstStyle/>
         <a:p>
-          <a:pPr marL="0" lvl="0" indent="0" algn="l" defTabSz="800100">
+          <a:pPr marL="0" lvl="0" indent="0" algn="l" defTabSz="533400">
             <a:lnSpc>
               <a:spcPct val="90000"/>
             </a:lnSpc>
@@ -12383,12 +12388,12 @@
             <a:buNone/>
           </a:pPr>
           <a:r>
-            <a:rPr lang="en-US" sz="1800" kern="1200"/>
+            <a:rPr lang="en-US" sz="1200" kern="1200"/>
             <a:t>Notebooks</a:t>
           </a:r>
         </a:p>
         <a:p>
-          <a:pPr marL="0" lvl="0" indent="0" algn="l" defTabSz="800100">
+          <a:pPr marL="0" lvl="0" indent="0" algn="l" defTabSz="533400">
             <a:lnSpc>
               <a:spcPct val="90000"/>
             </a:lnSpc>
@@ -12401,7 +12406,7 @@
             <a:buNone/>
           </a:pPr>
           <a:r>
-            <a:rPr lang="en-US" sz="1800" kern="1200"/>
+            <a:rPr lang="en-US" sz="1200" kern="1200"/>
             <a:t>Ecosystem</a:t>
           </a:r>
         </a:p>
@@ -12600,7 +12605,7 @@
         </a:bodyPr>
         <a:lstStyle/>
         <a:p>
-          <a:pPr marL="0" lvl="0" indent="0" algn="l" defTabSz="800100">
+          <a:pPr marL="0" lvl="0" indent="0" algn="l" defTabSz="533400">
             <a:lnSpc>
               <a:spcPct val="90000"/>
             </a:lnSpc>
@@ -12613,12 +12618,12 @@
             <a:buNone/>
           </a:pPr>
           <a:r>
-            <a:rPr lang="en-US" sz="1800" kern="1200"/>
+            <a:rPr lang="en-US" sz="1200" kern="1200"/>
             <a:t>Local</a:t>
           </a:r>
         </a:p>
         <a:p>
-          <a:pPr marL="0" lvl="0" indent="0" algn="l" defTabSz="800100">
+          <a:pPr marL="0" lvl="0" indent="0" algn="l" defTabSz="533400">
             <a:lnSpc>
               <a:spcPct val="90000"/>
             </a:lnSpc>
@@ -12631,7 +12636,7 @@
             <a:buNone/>
           </a:pPr>
           <a:r>
-            <a:rPr lang="en-US" sz="1800" kern="1200"/>
+            <a:rPr lang="en-US" sz="1200" kern="1200"/>
             <a:t>Hosted</a:t>
           </a:r>
         </a:p>
@@ -13491,6 +13496,7 @@
               </a:ext>
             </a:extLst>
           </a:blip>
+          <a:srcRect/>
           <a:stretch>
             <a:fillRect/>
           </a:stretch>
@@ -14111,6 +14117,7 @@
               </a:ext>
             </a:extLst>
           </a:blip>
+          <a:srcRect/>
           <a:stretch>
             <a:fillRect/>
           </a:stretch>
@@ -14643,8 +14650,8 @@
             <a:buNone/>
           </a:pPr>
           <a:r>
-            <a:rPr lang="en-US" sz="1900" kern="1200"/>
-            <a:t>Collaborative</a:t>
+            <a:rPr lang="en-US" sz="1900" kern="1200" dirty="0"/>
+            <a:t>Collaborative?</a:t>
           </a:r>
         </a:p>
       </dsp:txBody>
@@ -14883,6 +14890,7 @@
               </a:ext>
             </a:extLst>
           </a:blip>
+          <a:srcRect/>
           <a:stretch>
             <a:fillRect/>
           </a:stretch>
@@ -27490,7 +27498,7 @@
           <a:p>
             <a:fld id="{6FF64754-69BF-4FF2-9580-5DB0617436D5}" type="datetimeFigureOut">
               <a:rPr lang="en-US" smtClean="0"/>
-              <a:t>4/12/2019</a:t>
+              <a:t>4/13/2019</a:t>
             </a:fld>
             <a:endParaRPr lang="en-US"/>
           </a:p>
@@ -28035,7 +28043,7 @@
           <a:p>
             <a:fld id="{DA33D68E-0A2E-4685-8D02-33AAB4795D59}" type="slidenum">
               <a:rPr lang="en-US" smtClean="0"/>
-              <a:t>11</a:t>
+              <a:t>12</a:t>
             </a:fld>
             <a:endParaRPr lang="en-US"/>
           </a:p>
@@ -28130,7 +28138,7 @@
           <a:p>
             <a:fld id="{DA33D68E-0A2E-4685-8D02-33AAB4795D59}" type="slidenum">
               <a:rPr lang="en-US" smtClean="0"/>
-              <a:t>12</a:t>
+              <a:t>13</a:t>
             </a:fld>
             <a:endParaRPr lang="en-US"/>
           </a:p>
@@ -28150,6 +28158,90 @@
 </file>
 
 <file path=ppt/notesSlides/notesSlide12.xml><?xml version="1.0" encoding="utf-8"?>
+<p:notes xmlns:a="http://schemas.openxmlformats.org/drawingml/2006/main" xmlns:r="http://schemas.openxmlformats.org/officeDocument/2006/relationships" xmlns:p="http://schemas.openxmlformats.org/presentationml/2006/main">
+  <p:cSld>
+    <p:spTree>
+      <p:nvGrpSpPr>
+        <p:cNvPr id="1" name=""/>
+        <p:cNvGrpSpPr/>
+        <p:nvPr/>
+      </p:nvGrpSpPr>
+      <p:grpSpPr>
+        <a:xfrm>
+          <a:off x="0" y="0"/>
+          <a:ext cx="0" cy="0"/>
+          <a:chOff x="0" y="0"/>
+          <a:chExt cx="0" cy="0"/>
+        </a:xfrm>
+      </p:grpSpPr>
+      <p:sp>
+        <p:nvSpPr>
+          <p:cNvPr id="2" name="Slide Image Placeholder 1"/>
+          <p:cNvSpPr>
+            <a:spLocks noGrp="1" noRot="1" noChangeAspect="1"/>
+          </p:cNvSpPr>
+          <p:nvPr>
+            <p:ph type="sldImg"/>
+          </p:nvPr>
+        </p:nvSpPr>
+        <p:spPr/>
+      </p:sp>
+      <p:sp>
+        <p:nvSpPr>
+          <p:cNvPr id="3" name="Notes Placeholder 2"/>
+          <p:cNvSpPr>
+            <a:spLocks noGrp="1"/>
+          </p:cNvSpPr>
+          <p:nvPr>
+            <p:ph type="body" idx="1"/>
+          </p:nvPr>
+        </p:nvSpPr>
+        <p:spPr/>
+        <p:txBody>
+          <a:bodyPr/>
+          <a:lstStyle/>
+          <a:p>
+            <a:endParaRPr lang="en-US" dirty="0"/>
+          </a:p>
+        </p:txBody>
+      </p:sp>
+      <p:sp>
+        <p:nvSpPr>
+          <p:cNvPr id="4" name="Slide Number Placeholder 3"/>
+          <p:cNvSpPr>
+            <a:spLocks noGrp="1"/>
+          </p:cNvSpPr>
+          <p:nvPr>
+            <p:ph type="sldNum" sz="quarter" idx="5"/>
+          </p:nvPr>
+        </p:nvSpPr>
+        <p:spPr/>
+        <p:txBody>
+          <a:bodyPr/>
+          <a:lstStyle/>
+          <a:p>
+            <a:fld id="{DA33D68E-0A2E-4685-8D02-33AAB4795D59}" type="slidenum">
+              <a:rPr lang="en-US" smtClean="0"/>
+              <a:t>14</a:t>
+            </a:fld>
+            <a:endParaRPr lang="en-US"/>
+          </a:p>
+        </p:txBody>
+      </p:sp>
+    </p:spTree>
+    <p:extLst>
+      <p:ext uri="{BB962C8B-B14F-4D97-AF65-F5344CB8AC3E}">
+        <p14:creationId xmlns:p14="http://schemas.microsoft.com/office/powerpoint/2010/main" val="2260333198"/>
+      </p:ext>
+    </p:extLst>
+  </p:cSld>
+  <p:clrMapOvr>
+    <a:masterClrMapping/>
+  </p:clrMapOvr>
+</p:notes>
+</file>
+
+<file path=ppt/notesSlides/notesSlide13.xml><?xml version="1.0" encoding="utf-8"?>
 <p:notes xmlns:a="http://schemas.openxmlformats.org/drawingml/2006/main" xmlns:r="http://schemas.openxmlformats.org/officeDocument/2006/relationships" xmlns:p="http://schemas.openxmlformats.org/presentationml/2006/main">
   <p:cSld>
     <p:spTree>
@@ -28229,7 +28321,7 @@
           <a:p>
             <a:fld id="{DA33D68E-0A2E-4685-8D02-33AAB4795D59}" type="slidenum">
               <a:rPr lang="en-US" smtClean="0"/>
-              <a:t>14</a:t>
+              <a:t>15</a:t>
             </a:fld>
             <a:endParaRPr lang="en-US"/>
           </a:p>
@@ -28248,7 +28340,7 @@
 </p:notes>
 </file>
 
-<file path=ppt/notesSlides/notesSlide13.xml><?xml version="1.0" encoding="utf-8"?>
+<file path=ppt/notesSlides/notesSlide14.xml><?xml version="1.0" encoding="utf-8"?>
 <p:notes xmlns:a="http://schemas.openxmlformats.org/drawingml/2006/main" xmlns:r="http://schemas.openxmlformats.org/officeDocument/2006/relationships" xmlns:p="http://schemas.openxmlformats.org/presentationml/2006/main">
   <p:cSld>
     <p:spTree>
@@ -28328,7 +28420,7 @@
           <a:p>
             <a:fld id="{DA33D68E-0A2E-4685-8D02-33AAB4795D59}" type="slidenum">
               <a:rPr lang="en-US" smtClean="0"/>
-              <a:t>15</a:t>
+              <a:t>16</a:t>
             </a:fld>
             <a:endParaRPr lang="en-US"/>
           </a:p>
@@ -28347,7 +28439,7 @@
 </p:notes>
 </file>
 
-<file path=ppt/notesSlides/notesSlide14.xml><?xml version="1.0" encoding="utf-8"?>
+<file path=ppt/notesSlides/notesSlide15.xml><?xml version="1.0" encoding="utf-8"?>
 <p:notes xmlns:a="http://schemas.openxmlformats.org/drawingml/2006/main" xmlns:r="http://schemas.openxmlformats.org/officeDocument/2006/relationships" xmlns:p="http://schemas.openxmlformats.org/presentationml/2006/main">
   <p:cSld>
     <p:spTree>
@@ -28412,7 +28504,7 @@
           <a:p>
             <a:fld id="{DA33D68E-0A2E-4685-8D02-33AAB4795D59}" type="slidenum">
               <a:rPr lang="en-US" smtClean="0"/>
-              <a:t>16</a:t>
+              <a:t>17</a:t>
             </a:fld>
             <a:endParaRPr lang="en-US"/>
           </a:p>
@@ -28431,7 +28523,7 @@
 </p:notes>
 </file>
 
-<file path=ppt/notesSlides/notesSlide15.xml><?xml version="1.0" encoding="utf-8"?>
+<file path=ppt/notesSlides/notesSlide16.xml><?xml version="1.0" encoding="utf-8"?>
 <p:notes xmlns:a="http://schemas.openxmlformats.org/drawingml/2006/main" xmlns:r="http://schemas.openxmlformats.org/officeDocument/2006/relationships" xmlns:p="http://schemas.openxmlformats.org/presentationml/2006/main">
   <p:cSld>
     <p:spTree>
@@ -28511,7 +28603,7 @@
           <a:p>
             <a:fld id="{DA33D68E-0A2E-4685-8D02-33AAB4795D59}" type="slidenum">
               <a:rPr lang="en-US" smtClean="0"/>
-              <a:t>17</a:t>
+              <a:t>18</a:t>
             </a:fld>
             <a:endParaRPr lang="en-US"/>
           </a:p>
@@ -28530,7 +28622,7 @@
 </p:notes>
 </file>
 
-<file path=ppt/notesSlides/notesSlide16.xml><?xml version="1.0" encoding="utf-8"?>
+<file path=ppt/notesSlides/notesSlide17.xml><?xml version="1.0" encoding="utf-8"?>
 <p:notes xmlns:a="http://schemas.openxmlformats.org/drawingml/2006/main" xmlns:r="http://schemas.openxmlformats.org/officeDocument/2006/relationships" xmlns:p="http://schemas.openxmlformats.org/presentationml/2006/main">
   <p:cSld>
     <p:spTree>
@@ -28624,7 +28716,7 @@
           <a:p>
             <a:fld id="{DA33D68E-0A2E-4685-8D02-33AAB4795D59}" type="slidenum">
               <a:rPr lang="en-US" smtClean="0"/>
-              <a:t>18</a:t>
+              <a:t>19</a:t>
             </a:fld>
             <a:endParaRPr lang="en-US"/>
           </a:p>
@@ -28634,6 +28726,119 @@
     <p:extLst>
       <p:ext uri="{BB962C8B-B14F-4D97-AF65-F5344CB8AC3E}">
         <p14:creationId xmlns:p14="http://schemas.microsoft.com/office/powerpoint/2010/main" val="2917965696"/>
+      </p:ext>
+    </p:extLst>
+  </p:cSld>
+  <p:clrMapOvr>
+    <a:masterClrMapping/>
+  </p:clrMapOvr>
+</p:notes>
+</file>
+
+<file path=ppt/notesSlides/notesSlide18.xml><?xml version="1.0" encoding="utf-8"?>
+<p:notes xmlns:a="http://schemas.openxmlformats.org/drawingml/2006/main" xmlns:r="http://schemas.openxmlformats.org/officeDocument/2006/relationships" xmlns:p="http://schemas.openxmlformats.org/presentationml/2006/main">
+  <p:cSld>
+    <p:spTree>
+      <p:nvGrpSpPr>
+        <p:cNvPr id="1" name=""/>
+        <p:cNvGrpSpPr/>
+        <p:nvPr/>
+      </p:nvGrpSpPr>
+      <p:grpSpPr>
+        <a:xfrm>
+          <a:off x="0" y="0"/>
+          <a:ext cx="0" cy="0"/>
+          <a:chOff x="0" y="0"/>
+          <a:chExt cx="0" cy="0"/>
+        </a:xfrm>
+      </p:grpSpPr>
+      <p:sp>
+        <p:nvSpPr>
+          <p:cNvPr id="2" name="Slide Image Placeholder 1"/>
+          <p:cNvSpPr>
+            <a:spLocks noGrp="1" noRot="1" noChangeAspect="1"/>
+          </p:cNvSpPr>
+          <p:nvPr>
+            <p:ph type="sldImg"/>
+          </p:nvPr>
+        </p:nvSpPr>
+        <p:spPr/>
+      </p:sp>
+      <p:sp>
+        <p:nvSpPr>
+          <p:cNvPr id="3" name="Notes Placeholder 2"/>
+          <p:cNvSpPr>
+            <a:spLocks noGrp="1"/>
+          </p:cNvSpPr>
+          <p:nvPr>
+            <p:ph type="body" idx="1"/>
+          </p:nvPr>
+        </p:nvSpPr>
+        <p:spPr/>
+        <p:txBody>
+          <a:bodyPr/>
+          <a:lstStyle/>
+          <a:p>
+            <a:r>
+              <a:rPr lang="en-US" dirty="0"/>
+              <a:t>Add </a:t>
+            </a:r>
+            <a:r>
+              <a:rPr lang="en-US" dirty="0" err="1"/>
+              <a:t>IFSharp</a:t>
+            </a:r>
+            <a:r>
+              <a:rPr lang="en-US" dirty="0"/>
+              <a:t> to Jupyter Notebooks</a:t>
+            </a:r>
+          </a:p>
+          <a:p>
+            <a:r>
+              <a:rPr lang="en-US" dirty="0"/>
+              <a:t>Add logo</a:t>
+            </a:r>
+          </a:p>
+          <a:p>
+            <a:r>
+              <a:rPr lang="en-US" dirty="0"/>
+              <a:t>Show that you can control what gets installed with REPL</a:t>
+            </a:r>
+          </a:p>
+          <a:p>
+            <a:r>
+              <a:rPr lang="en-US" dirty="0"/>
+              <a:t>You can specify where you want your container to run</a:t>
+            </a:r>
+          </a:p>
+        </p:txBody>
+      </p:sp>
+      <p:sp>
+        <p:nvSpPr>
+          <p:cNvPr id="4" name="Slide Number Placeholder 3"/>
+          <p:cNvSpPr>
+            <a:spLocks noGrp="1"/>
+          </p:cNvSpPr>
+          <p:nvPr>
+            <p:ph type="sldNum" sz="quarter" idx="5"/>
+          </p:nvPr>
+        </p:nvSpPr>
+        <p:spPr/>
+        <p:txBody>
+          <a:bodyPr/>
+          <a:lstStyle/>
+          <a:p>
+            <a:fld id="{DA33D68E-0A2E-4685-8D02-33AAB4795D59}" type="slidenum">
+              <a:rPr lang="en-US" smtClean="0"/>
+              <a:t>20</a:t>
+            </a:fld>
+            <a:endParaRPr lang="en-US"/>
+          </a:p>
+        </p:txBody>
+      </p:sp>
+    </p:spTree>
+    <p:extLst>
+      <p:ext uri="{BB962C8B-B14F-4D97-AF65-F5344CB8AC3E}">
+        <p14:creationId xmlns:p14="http://schemas.microsoft.com/office/powerpoint/2010/main" val="746308457"/>
       </p:ext>
     </p:extLst>
   </p:cSld>
@@ -28802,7 +29007,7 @@
           <a:p>
             <a:fld id="{DA33D68E-0A2E-4685-8D02-33AAB4795D59}" type="slidenum">
               <a:rPr lang="en-US" smtClean="0"/>
-              <a:t>3</a:t>
+              <a:t>4</a:t>
             </a:fld>
             <a:endParaRPr lang="en-US"/>
           </a:p>
@@ -28913,7 +29118,7 @@
           <a:p>
             <a:fld id="{DA33D68E-0A2E-4685-8D02-33AAB4795D59}" type="slidenum">
               <a:rPr lang="en-US" smtClean="0"/>
-              <a:t>4</a:t>
+              <a:t>5</a:t>
             </a:fld>
             <a:endParaRPr lang="en-US"/>
           </a:p>
@@ -29012,7 +29217,7 @@
           <a:p>
             <a:fld id="{DA33D68E-0A2E-4685-8D02-33AAB4795D59}" type="slidenum">
               <a:rPr lang="en-US" smtClean="0"/>
-              <a:t>5</a:t>
+              <a:t>6</a:t>
             </a:fld>
             <a:endParaRPr lang="en-US"/>
           </a:p>
@@ -29099,7 +29304,7 @@
           <a:p>
             <a:fld id="{DA33D68E-0A2E-4685-8D02-33AAB4795D59}" type="slidenum">
               <a:rPr lang="en-US" smtClean="0"/>
-              <a:t>6</a:t>
+              <a:t>7</a:t>
             </a:fld>
             <a:endParaRPr lang="en-US"/>
           </a:p>
@@ -29192,7 +29397,7 @@
           <a:p>
             <a:fld id="{DA33D68E-0A2E-4685-8D02-33AAB4795D59}" type="slidenum">
               <a:rPr lang="en-US" smtClean="0"/>
-              <a:t>7</a:t>
+              <a:t>8</a:t>
             </a:fld>
             <a:endParaRPr lang="en-US"/>
           </a:p>
@@ -29437,7 +29642,7 @@
           <a:p>
             <a:fld id="{DA33D68E-0A2E-4685-8D02-33AAB4795D59}" type="slidenum">
               <a:rPr lang="en-US" smtClean="0"/>
-              <a:t>8</a:t>
+              <a:t>9</a:t>
             </a:fld>
             <a:endParaRPr lang="en-US"/>
           </a:p>
@@ -29530,7 +29735,7 @@
           <a:p>
             <a:fld id="{DA33D68E-0A2E-4685-8D02-33AAB4795D59}" type="slidenum">
               <a:rPr lang="en-US" smtClean="0"/>
-              <a:t>9</a:t>
+              <a:t>10</a:t>
             </a:fld>
             <a:endParaRPr lang="en-US"/>
           </a:p>
@@ -29696,7 +29901,7 @@
           <a:p>
             <a:fld id="{6241485C-8420-41A1-9DDD-119EB57D1D98}" type="datetimeFigureOut">
               <a:rPr lang="en-US" smtClean="0"/>
-              <a:t>4/12/2019</a:t>
+              <a:t>4/13/2019</a:t>
             </a:fld>
             <a:endParaRPr lang="en-US"/>
           </a:p>
@@ -29894,7 +30099,7 @@
           <a:p>
             <a:fld id="{6241485C-8420-41A1-9DDD-119EB57D1D98}" type="datetimeFigureOut">
               <a:rPr lang="en-US" smtClean="0"/>
-              <a:t>4/12/2019</a:t>
+              <a:t>4/13/2019</a:t>
             </a:fld>
             <a:endParaRPr lang="en-US"/>
           </a:p>
@@ -30102,7 +30307,7 @@
           <a:p>
             <a:fld id="{6241485C-8420-41A1-9DDD-119EB57D1D98}" type="datetimeFigureOut">
               <a:rPr lang="en-US" smtClean="0"/>
-              <a:t>4/12/2019</a:t>
+              <a:t>4/13/2019</a:t>
             </a:fld>
             <a:endParaRPr lang="en-US"/>
           </a:p>
@@ -30300,7 +30505,7 @@
           <a:p>
             <a:fld id="{6241485C-8420-41A1-9DDD-119EB57D1D98}" type="datetimeFigureOut">
               <a:rPr lang="en-US" smtClean="0"/>
-              <a:t>4/12/2019</a:t>
+              <a:t>4/13/2019</a:t>
             </a:fld>
             <a:endParaRPr lang="en-US"/>
           </a:p>
@@ -30575,7 +30780,7 @@
           <a:p>
             <a:fld id="{6241485C-8420-41A1-9DDD-119EB57D1D98}" type="datetimeFigureOut">
               <a:rPr lang="en-US" smtClean="0"/>
-              <a:t>4/12/2019</a:t>
+              <a:t>4/13/2019</a:t>
             </a:fld>
             <a:endParaRPr lang="en-US"/>
           </a:p>
@@ -30840,7 +31045,7 @@
           <a:p>
             <a:fld id="{6241485C-8420-41A1-9DDD-119EB57D1D98}" type="datetimeFigureOut">
               <a:rPr lang="en-US" smtClean="0"/>
-              <a:t>4/12/2019</a:t>
+              <a:t>4/13/2019</a:t>
             </a:fld>
             <a:endParaRPr lang="en-US"/>
           </a:p>
@@ -31252,7 +31457,7 @@
           <a:p>
             <a:fld id="{6241485C-8420-41A1-9DDD-119EB57D1D98}" type="datetimeFigureOut">
               <a:rPr lang="en-US" smtClean="0"/>
-              <a:t>4/12/2019</a:t>
+              <a:t>4/13/2019</a:t>
             </a:fld>
             <a:endParaRPr lang="en-US"/>
           </a:p>
@@ -31393,7 +31598,7 @@
           <a:p>
             <a:fld id="{6241485C-8420-41A1-9DDD-119EB57D1D98}" type="datetimeFigureOut">
               <a:rPr lang="en-US" smtClean="0"/>
-              <a:t>4/12/2019</a:t>
+              <a:t>4/13/2019</a:t>
             </a:fld>
             <a:endParaRPr lang="en-US"/>
           </a:p>
@@ -31506,7 +31711,7 @@
           <a:p>
             <a:fld id="{6241485C-8420-41A1-9DDD-119EB57D1D98}" type="datetimeFigureOut">
               <a:rPr lang="en-US" smtClean="0"/>
-              <a:t>4/12/2019</a:t>
+              <a:t>4/13/2019</a:t>
             </a:fld>
             <a:endParaRPr lang="en-US"/>
           </a:p>
@@ -31817,7 +32022,7 @@
           <a:p>
             <a:fld id="{6241485C-8420-41A1-9DDD-119EB57D1D98}" type="datetimeFigureOut">
               <a:rPr lang="en-US" smtClean="0"/>
-              <a:t>4/12/2019</a:t>
+              <a:t>4/13/2019</a:t>
             </a:fld>
             <a:endParaRPr lang="en-US"/>
           </a:p>
@@ -32105,7 +32310,7 @@
           <a:p>
             <a:fld id="{6241485C-8420-41A1-9DDD-119EB57D1D98}" type="datetimeFigureOut">
               <a:rPr lang="en-US" smtClean="0"/>
-              <a:t>4/12/2019</a:t>
+              <a:t>4/13/2019</a:t>
             </a:fld>
             <a:endParaRPr lang="en-US"/>
           </a:p>
@@ -32346,7 +32551,7 @@
           <a:p>
             <a:fld id="{6241485C-8420-41A1-9DDD-119EB57D1D98}" type="datetimeFigureOut">
               <a:rPr lang="en-US" smtClean="0"/>
-              <a:t>4/12/2019</a:t>
+              <a:t>4/13/2019</a:t>
             </a:fld>
             <a:endParaRPr lang="en-US"/>
           </a:p>
@@ -33435,6 +33640,442 @@
     <p:bg>
       <p:bgPr>
         <a:solidFill>
+          <a:schemeClr val="bg1">
+            <a:tint val="95000"/>
+            <a:satMod val="170000"/>
+          </a:schemeClr>
+        </a:solidFill>
+        <a:effectLst/>
+      </p:bgPr>
+    </p:bg>
+    <p:spTree>
+      <p:nvGrpSpPr>
+        <p:cNvPr id="1" name=""/>
+        <p:cNvGrpSpPr/>
+        <p:nvPr/>
+      </p:nvGrpSpPr>
+      <p:grpSpPr>
+        <a:xfrm>
+          <a:off x="0" y="0"/>
+          <a:ext cx="0" cy="0"/>
+          <a:chOff x="0" y="0"/>
+          <a:chExt cx="0" cy="0"/>
+        </a:xfrm>
+      </p:grpSpPr>
+      <p:sp>
+        <p:nvSpPr>
+          <p:cNvPr id="11" name="Freeform: Shape 10">
+            <a:extLst>
+              <a:ext uri="{FF2B5EF4-FFF2-40B4-BE49-F238E27FC236}">
+                <a16:creationId xmlns:a16="http://schemas.microsoft.com/office/drawing/2014/main" id="{66B332A4-D438-4773-A77F-5ED49A448D9D}"/>
+              </a:ext>
+              <a:ext uri="{C183D7F6-B498-43B3-948B-1728B52AA6E4}">
+                <adec:decorative xmlns:adec="http://schemas.microsoft.com/office/drawing/2017/decorative" val="1"/>
+              </a:ext>
+            </a:extLst>
+          </p:cNvPr>
+          <p:cNvSpPr>
+            <a:spLocks noGrp="1" noRot="1" noChangeAspect="1" noMove="1" noResize="1" noEditPoints="1" noAdjustHandles="1" noChangeArrowheads="1" noChangeShapeType="1" noTextEdit="1"/>
+          </p:cNvSpPr>
+          <p:nvPr>
+            <p:extLst>
+              <p:ext uri="{386F3935-93C4-4BCD-93E2-E3B085C9AB24}">
+                <p16:designElem xmlns:p16="http://schemas.microsoft.com/office/powerpoint/2015/main" val="1"/>
+              </p:ext>
+            </p:extLst>
+          </p:nvPr>
+        </p:nvSpPr>
+        <p:spPr>
+          <a:xfrm>
+            <a:off x="1953768" y="0"/>
+            <a:ext cx="8284464" cy="6858000"/>
+          </a:xfrm>
+          <a:custGeom>
+            <a:avLst/>
+            <a:gdLst>
+              <a:gd name="connsiteX0" fmla="*/ 1818109 w 8284464"/>
+              <a:gd name="connsiteY0" fmla="*/ 0 h 6858000"/>
+              <a:gd name="connsiteX1" fmla="*/ 6466355 w 8284464"/>
+              <a:gd name="connsiteY1" fmla="*/ 0 h 6858000"/>
+              <a:gd name="connsiteX2" fmla="*/ 6620596 w 8284464"/>
+              <a:gd name="connsiteY2" fmla="*/ 109683 h 6858000"/>
+              <a:gd name="connsiteX3" fmla="*/ 8284464 w 8284464"/>
+              <a:gd name="connsiteY3" fmla="*/ 3429000 h 6858000"/>
+              <a:gd name="connsiteX4" fmla="*/ 6620596 w 8284464"/>
+              <a:gd name="connsiteY4" fmla="*/ 6748318 h 6858000"/>
+              <a:gd name="connsiteX5" fmla="*/ 6466355 w 8284464"/>
+              <a:gd name="connsiteY5" fmla="*/ 6858000 h 6858000"/>
+              <a:gd name="connsiteX6" fmla="*/ 1818109 w 8284464"/>
+              <a:gd name="connsiteY6" fmla="*/ 6858000 h 6858000"/>
+              <a:gd name="connsiteX7" fmla="*/ 1663869 w 8284464"/>
+              <a:gd name="connsiteY7" fmla="*/ 6748318 h 6858000"/>
+              <a:gd name="connsiteX8" fmla="*/ 0 w 8284464"/>
+              <a:gd name="connsiteY8" fmla="*/ 3429000 h 6858000"/>
+              <a:gd name="connsiteX9" fmla="*/ 1663869 w 8284464"/>
+              <a:gd name="connsiteY9" fmla="*/ 109683 h 6858000"/>
+            </a:gdLst>
+            <a:ahLst/>
+            <a:cxnLst>
+              <a:cxn ang="0">
+                <a:pos x="connsiteX0" y="connsiteY0"/>
+              </a:cxn>
+              <a:cxn ang="0">
+                <a:pos x="connsiteX1" y="connsiteY1"/>
+              </a:cxn>
+              <a:cxn ang="0">
+                <a:pos x="connsiteX2" y="connsiteY2"/>
+              </a:cxn>
+              <a:cxn ang="0">
+                <a:pos x="connsiteX3" y="connsiteY3"/>
+              </a:cxn>
+              <a:cxn ang="0">
+                <a:pos x="connsiteX4" y="connsiteY4"/>
+              </a:cxn>
+              <a:cxn ang="0">
+                <a:pos x="connsiteX5" y="connsiteY5"/>
+              </a:cxn>
+              <a:cxn ang="0">
+                <a:pos x="connsiteX6" y="connsiteY6"/>
+              </a:cxn>
+              <a:cxn ang="0">
+                <a:pos x="connsiteX7" y="connsiteY7"/>
+              </a:cxn>
+              <a:cxn ang="0">
+                <a:pos x="connsiteX8" y="connsiteY8"/>
+              </a:cxn>
+              <a:cxn ang="0">
+                <a:pos x="connsiteX9" y="connsiteY9"/>
+              </a:cxn>
+            </a:cxnLst>
+            <a:rect l="l" t="t" r="r" b="b"/>
+            <a:pathLst>
+              <a:path w="8284464" h="6858000">
+                <a:moveTo>
+                  <a:pt x="1818109" y="0"/>
+                </a:moveTo>
+                <a:lnTo>
+                  <a:pt x="6466355" y="0"/>
+                </a:lnTo>
+                <a:lnTo>
+                  <a:pt x="6620596" y="109683"/>
+                </a:lnTo>
+                <a:cubicBezTo>
+                  <a:pt x="7630666" y="865069"/>
+                  <a:pt x="8284464" y="2070683"/>
+                  <a:pt x="8284464" y="3429000"/>
+                </a:cubicBezTo>
+                <a:cubicBezTo>
+                  <a:pt x="8284464" y="4787317"/>
+                  <a:pt x="7630666" y="5992931"/>
+                  <a:pt x="6620596" y="6748318"/>
+                </a:cubicBezTo>
+                <a:lnTo>
+                  <a:pt x="6466355" y="6858000"/>
+                </a:lnTo>
+                <a:lnTo>
+                  <a:pt x="1818109" y="6858000"/>
+                </a:lnTo>
+                <a:lnTo>
+                  <a:pt x="1663869" y="6748318"/>
+                </a:lnTo>
+                <a:cubicBezTo>
+                  <a:pt x="653798" y="5992931"/>
+                  <a:pt x="0" y="4787317"/>
+                  <a:pt x="0" y="3429000"/>
+                </a:cubicBezTo>
+                <a:cubicBezTo>
+                  <a:pt x="0" y="2070683"/>
+                  <a:pt x="653798" y="865069"/>
+                  <a:pt x="1663869" y="109683"/>
+                </a:cubicBezTo>
+                <a:close/>
+              </a:path>
+            </a:pathLst>
+          </a:custGeom>
+          <a:solidFill>
+            <a:srgbClr val="FFFFFF">
+              <a:alpha val="80000"/>
+            </a:srgbClr>
+          </a:solidFill>
+          <a:ln>
+            <a:noFill/>
+          </a:ln>
+        </p:spPr>
+        <p:style>
+          <a:lnRef idx="2">
+            <a:schemeClr val="accent1">
+              <a:shade val="50000"/>
+            </a:schemeClr>
+          </a:lnRef>
+          <a:fillRef idx="1">
+            <a:schemeClr val="accent1"/>
+          </a:fillRef>
+          <a:effectRef idx="0">
+            <a:schemeClr val="accent1"/>
+          </a:effectRef>
+          <a:fontRef idx="minor">
+            <a:schemeClr val="lt1"/>
+          </a:fontRef>
+        </p:style>
+        <p:txBody>
+          <a:bodyPr wrap="square" rtlCol="0" anchor="ctr">
+            <a:noAutofit/>
+          </a:bodyPr>
+          <a:lstStyle/>
+          <a:p>
+            <a:pPr algn="ctr"/>
+            <a:endParaRPr lang="en-US"/>
+          </a:p>
+        </p:txBody>
+      </p:sp>
+      <p:sp>
+        <p:nvSpPr>
+          <p:cNvPr id="13" name="Freeform: Shape 12">
+            <a:extLst>
+              <a:ext uri="{FF2B5EF4-FFF2-40B4-BE49-F238E27FC236}">
+                <a16:creationId xmlns:a16="http://schemas.microsoft.com/office/drawing/2014/main" id="{DF9AD32D-FF05-44F4-BD4D-9CEE89B71EB9}"/>
+              </a:ext>
+              <a:ext uri="{C183D7F6-B498-43B3-948B-1728B52AA6E4}">
+                <adec:decorative xmlns:adec="http://schemas.microsoft.com/office/drawing/2017/decorative" val="1"/>
+              </a:ext>
+            </a:extLst>
+          </p:cNvPr>
+          <p:cNvSpPr>
+            <a:spLocks noGrp="1" noRot="1" noChangeAspect="1" noMove="1" noResize="1" noEditPoints="1" noAdjustHandles="1" noChangeArrowheads="1" noChangeShapeType="1" noTextEdit="1"/>
+          </p:cNvSpPr>
+          <p:nvPr>
+            <p:extLst>
+              <p:ext uri="{386F3935-93C4-4BCD-93E2-E3B085C9AB24}">
+                <p16:designElem xmlns:p16="http://schemas.microsoft.com/office/powerpoint/2015/main" val="1"/>
+              </p:ext>
+            </p:extLst>
+          </p:nvPr>
+        </p:nvSpPr>
+        <p:spPr>
+          <a:xfrm>
+            <a:off x="2118360" y="0"/>
+            <a:ext cx="7955280" cy="6858000"/>
+          </a:xfrm>
+          <a:custGeom>
+            <a:avLst/>
+            <a:gdLst>
+              <a:gd name="connsiteX0" fmla="*/ 1962423 w 7955280"/>
+              <a:gd name="connsiteY0" fmla="*/ 0 h 6858000"/>
+              <a:gd name="connsiteX1" fmla="*/ 5992858 w 7955280"/>
+              <a:gd name="connsiteY1" fmla="*/ 0 h 6858000"/>
+              <a:gd name="connsiteX2" fmla="*/ 6040191 w 7955280"/>
+              <a:gd name="connsiteY2" fmla="*/ 27216 h 6858000"/>
+              <a:gd name="connsiteX3" fmla="*/ 7955280 w 7955280"/>
+              <a:gd name="connsiteY3" fmla="*/ 3429000 h 6858000"/>
+              <a:gd name="connsiteX4" fmla="*/ 6040191 w 7955280"/>
+              <a:gd name="connsiteY4" fmla="*/ 6830784 h 6858000"/>
+              <a:gd name="connsiteX5" fmla="*/ 5992858 w 7955280"/>
+              <a:gd name="connsiteY5" fmla="*/ 6858000 h 6858000"/>
+              <a:gd name="connsiteX6" fmla="*/ 1962423 w 7955280"/>
+              <a:gd name="connsiteY6" fmla="*/ 6858000 h 6858000"/>
+              <a:gd name="connsiteX7" fmla="*/ 1915089 w 7955280"/>
+              <a:gd name="connsiteY7" fmla="*/ 6830784 h 6858000"/>
+              <a:gd name="connsiteX8" fmla="*/ 0 w 7955280"/>
+              <a:gd name="connsiteY8" fmla="*/ 3429000 h 6858000"/>
+              <a:gd name="connsiteX9" fmla="*/ 1915089 w 7955280"/>
+              <a:gd name="connsiteY9" fmla="*/ 27216 h 6858000"/>
+            </a:gdLst>
+            <a:ahLst/>
+            <a:cxnLst>
+              <a:cxn ang="0">
+                <a:pos x="connsiteX0" y="connsiteY0"/>
+              </a:cxn>
+              <a:cxn ang="0">
+                <a:pos x="connsiteX1" y="connsiteY1"/>
+              </a:cxn>
+              <a:cxn ang="0">
+                <a:pos x="connsiteX2" y="connsiteY2"/>
+              </a:cxn>
+              <a:cxn ang="0">
+                <a:pos x="connsiteX3" y="connsiteY3"/>
+              </a:cxn>
+              <a:cxn ang="0">
+                <a:pos x="connsiteX4" y="connsiteY4"/>
+              </a:cxn>
+              <a:cxn ang="0">
+                <a:pos x="connsiteX5" y="connsiteY5"/>
+              </a:cxn>
+              <a:cxn ang="0">
+                <a:pos x="connsiteX6" y="connsiteY6"/>
+              </a:cxn>
+              <a:cxn ang="0">
+                <a:pos x="connsiteX7" y="connsiteY7"/>
+              </a:cxn>
+              <a:cxn ang="0">
+                <a:pos x="connsiteX8" y="connsiteY8"/>
+              </a:cxn>
+              <a:cxn ang="0">
+                <a:pos x="connsiteX9" y="connsiteY9"/>
+              </a:cxn>
+            </a:cxnLst>
+            <a:rect l="l" t="t" r="r" b="b"/>
+            <a:pathLst>
+              <a:path w="7955280" h="6858000">
+                <a:moveTo>
+                  <a:pt x="1962423" y="0"/>
+                </a:moveTo>
+                <a:lnTo>
+                  <a:pt x="5992858" y="0"/>
+                </a:lnTo>
+                <a:lnTo>
+                  <a:pt x="6040191" y="27216"/>
+                </a:lnTo>
+                <a:cubicBezTo>
+                  <a:pt x="7188332" y="724844"/>
+                  <a:pt x="7955280" y="1987357"/>
+                  <a:pt x="7955280" y="3429000"/>
+                </a:cubicBezTo>
+                <a:cubicBezTo>
+                  <a:pt x="7955280" y="4870644"/>
+                  <a:pt x="7188332" y="6133157"/>
+                  <a:pt x="6040191" y="6830784"/>
+                </a:cubicBezTo>
+                <a:lnTo>
+                  <a:pt x="5992858" y="6858000"/>
+                </a:lnTo>
+                <a:lnTo>
+                  <a:pt x="1962423" y="6858000"/>
+                </a:lnTo>
+                <a:lnTo>
+                  <a:pt x="1915089" y="6830784"/>
+                </a:lnTo>
+                <a:cubicBezTo>
+                  <a:pt x="766948" y="6133157"/>
+                  <a:pt x="0" y="4870644"/>
+                  <a:pt x="0" y="3429000"/>
+                </a:cubicBezTo>
+                <a:cubicBezTo>
+                  <a:pt x="0" y="1987357"/>
+                  <a:pt x="766948" y="724844"/>
+                  <a:pt x="1915089" y="27216"/>
+                </a:cubicBezTo>
+                <a:close/>
+              </a:path>
+            </a:pathLst>
+          </a:custGeom>
+          <a:solidFill>
+            <a:schemeClr val="tx1"/>
+          </a:solidFill>
+          <a:ln>
+            <a:noFill/>
+          </a:ln>
+        </p:spPr>
+        <p:style>
+          <a:lnRef idx="2">
+            <a:schemeClr val="accent1">
+              <a:shade val="50000"/>
+            </a:schemeClr>
+          </a:lnRef>
+          <a:fillRef idx="1">
+            <a:schemeClr val="accent1"/>
+          </a:fillRef>
+          <a:effectRef idx="0">
+            <a:schemeClr val="accent1"/>
+          </a:effectRef>
+          <a:fontRef idx="minor">
+            <a:schemeClr val="lt1"/>
+          </a:fontRef>
+        </p:style>
+        <p:txBody>
+          <a:bodyPr wrap="square" rtlCol="0" anchor="ctr">
+            <a:noAutofit/>
+          </a:bodyPr>
+          <a:lstStyle/>
+          <a:p>
+            <a:pPr algn="ctr"/>
+            <a:endParaRPr lang="en-US"/>
+          </a:p>
+        </p:txBody>
+      </p:sp>
+      <p:sp>
+        <p:nvSpPr>
+          <p:cNvPr id="6" name="Title 5">
+            <a:extLst>
+              <a:ext uri="{FF2B5EF4-FFF2-40B4-BE49-F238E27FC236}">
+                <a16:creationId xmlns:a16="http://schemas.microsoft.com/office/drawing/2014/main" id="{12384FE6-4F9A-4F8F-B0DA-12D1677A862A}"/>
+              </a:ext>
+            </a:extLst>
+          </p:cNvPr>
+          <p:cNvSpPr>
+            <a:spLocks noGrp="1"/>
+          </p:cNvSpPr>
+          <p:nvPr>
+            <p:ph type="title"/>
+          </p:nvPr>
+        </p:nvSpPr>
+        <p:spPr>
+          <a:xfrm>
+            <a:off x="2555631" y="1441938"/>
+            <a:ext cx="7080738" cy="3974124"/>
+          </a:xfrm>
+        </p:spPr>
+        <p:txBody>
+          <a:bodyPr>
+            <a:normAutofit/>
+          </a:bodyPr>
+          <a:lstStyle/>
+          <a:p>
+            <a:pPr algn="ctr"/>
+            <a:r>
+              <a:rPr lang="en-US" sz="5400" dirty="0">
+                <a:solidFill>
+                  <a:schemeClr val="bg1">
+                    <a:lumMod val="95000"/>
+                    <a:lumOff val="5000"/>
+                  </a:schemeClr>
+                </a:solidFill>
+              </a:rPr>
+              <a:t>Demo </a:t>
+            </a:r>
+            <a:r>
+              <a:rPr lang="en-US" sz="5400" dirty="0" err="1">
+                <a:solidFill>
+                  <a:schemeClr val="bg1">
+                    <a:lumMod val="95000"/>
+                    <a:lumOff val="5000"/>
+                  </a:schemeClr>
+                </a:solidFill>
+              </a:rPr>
+              <a:t>FsLab</a:t>
+            </a:r>
+            <a:r>
+              <a:rPr lang="en-US" sz="5400" dirty="0">
+                <a:solidFill>
+                  <a:schemeClr val="bg1">
+                    <a:lumMod val="95000"/>
+                    <a:lumOff val="5000"/>
+                  </a:schemeClr>
+                </a:solidFill>
+              </a:rPr>
+              <a:t> Journal</a:t>
+            </a:r>
+          </a:p>
+        </p:txBody>
+      </p:sp>
+    </p:spTree>
+    <p:extLst>
+      <p:ext uri="{BB962C8B-B14F-4D97-AF65-F5344CB8AC3E}">
+        <p14:creationId xmlns:p14="http://schemas.microsoft.com/office/powerpoint/2010/main" val="1245637754"/>
+      </p:ext>
+    </p:extLst>
+  </p:cSld>
+  <p:clrMapOvr>
+    <a:overrideClrMapping bg1="dk1" tx1="lt1" bg2="dk2" tx2="lt2" accent1="accent1" accent2="accent2" accent3="accent3" accent4="accent4" accent5="accent5" accent6="accent6" hlink="hlink" folHlink="folHlink"/>
+  </p:clrMapOvr>
+</p:sld>
+</file>
+
+<file path=ppt/slides/slide11.xml><?xml version="1.0" encoding="utf-8"?>
+<p:sld xmlns:a="http://schemas.openxmlformats.org/drawingml/2006/main" xmlns:r="http://schemas.openxmlformats.org/officeDocument/2006/relationships" xmlns:p="http://schemas.openxmlformats.org/presentationml/2006/main">
+  <p:cSld>
+    <p:bg>
+      <p:bgPr>
+        <a:solidFill>
           <a:schemeClr val="bg1"/>
         </a:solidFill>
         <a:effectLst/>
@@ -34018,7 +34659,7 @@
 </p:sld>
 </file>
 
-<file path=ppt/slides/slide11.xml><?xml version="1.0" encoding="utf-8"?>
+<file path=ppt/slides/slide12.xml><?xml version="1.0" encoding="utf-8"?>
 <p:sld xmlns:a="http://schemas.openxmlformats.org/drawingml/2006/main" xmlns:r="http://schemas.openxmlformats.org/officeDocument/2006/relationships" xmlns:p="http://schemas.openxmlformats.org/presentationml/2006/main">
   <p:cSld>
     <p:bg>
@@ -34432,7 +35073,7 @@
 </p:sld>
 </file>
 
-<file path=ppt/slides/slide12.xml><?xml version="1.0" encoding="utf-8"?>
+<file path=ppt/slides/slide13.xml><?xml version="1.0" encoding="utf-8"?>
 <p:sld xmlns:a="http://schemas.openxmlformats.org/drawingml/2006/main" xmlns:r="http://schemas.openxmlformats.org/officeDocument/2006/relationships" xmlns:p="http://schemas.openxmlformats.org/presentationml/2006/main">
   <p:cSld>
     <p:spTree>
@@ -34874,7 +35515,7 @@
 </p:sld>
 </file>
 
-<file path=ppt/slides/slide13.xml><?xml version="1.0" encoding="utf-8"?>
+<file path=ppt/slides/slide14.xml><?xml version="1.0" encoding="utf-8"?>
 <p:sld xmlns:a="http://schemas.openxmlformats.org/drawingml/2006/main" xmlns:r="http://schemas.openxmlformats.org/officeDocument/2006/relationships" xmlns:p="http://schemas.openxmlformats.org/presentationml/2006/main">
   <p:cSld>
     <p:bg>
@@ -35017,7 +35658,7 @@
           <a:lstStyle/>
           <a:p>
             <a:r>
-              <a:rPr lang="en-US" sz="4800"/>
+              <a:rPr lang="en-US" sz="4800" dirty="0"/>
               <a:t>Jupyter Ecosystem</a:t>
             </a:r>
           </a:p>
@@ -35485,7 +36126,7 @@
 </p:sld>
 </file>
 
-<file path=ppt/slides/slide14.xml><?xml version="1.0" encoding="utf-8"?>
+<file path=ppt/slides/slide15.xml><?xml version="1.0" encoding="utf-8"?>
 <p:sld xmlns:a="http://schemas.openxmlformats.org/drawingml/2006/main" xmlns:r="http://schemas.openxmlformats.org/officeDocument/2006/relationships" xmlns:p="http://schemas.openxmlformats.org/presentationml/2006/main">
   <p:cSld>
     <p:spTree>
@@ -35620,7 +36261,7 @@
 </p:sld>
 </file>
 
-<file path=ppt/slides/slide15.xml><?xml version="1.0" encoding="utf-8"?>
+<file path=ppt/slides/slide16.xml><?xml version="1.0" encoding="utf-8"?>
 <p:sld xmlns:a="http://schemas.openxmlformats.org/drawingml/2006/main" xmlns:r="http://schemas.openxmlformats.org/officeDocument/2006/relationships" xmlns:p="http://schemas.openxmlformats.org/presentationml/2006/main">
   <p:cSld>
     <p:spTree>
@@ -35778,7 +36419,7 @@
 </p:sld>
 </file>
 
-<file path=ppt/slides/slide16.xml><?xml version="1.0" encoding="utf-8"?>
+<file path=ppt/slides/slide17.xml><?xml version="1.0" encoding="utf-8"?>
 <p:sld xmlns:a="http://schemas.openxmlformats.org/drawingml/2006/main" xmlns:r="http://schemas.openxmlformats.org/officeDocument/2006/relationships" xmlns:p="http://schemas.openxmlformats.org/presentationml/2006/main">
   <p:cSld>
     <p:bg>
@@ -36367,7 +37008,7 @@
 </p:sld>
 </file>
 
-<file path=ppt/slides/slide17.xml><?xml version="1.0" encoding="utf-8"?>
+<file path=ppt/slides/slide18.xml><?xml version="1.0" encoding="utf-8"?>
 <p:sld xmlns:a="http://schemas.openxmlformats.org/drawingml/2006/main" xmlns:r="http://schemas.openxmlformats.org/officeDocument/2006/relationships" xmlns:p="http://schemas.openxmlformats.org/presentationml/2006/main">
   <p:cSld>
     <p:bg>
@@ -36781,7 +37422,7 @@
 </p:sld>
 </file>
 
-<file path=ppt/slides/slide18.xml><?xml version="1.0" encoding="utf-8"?>
+<file path=ppt/slides/slide19.xml><?xml version="1.0" encoding="utf-8"?>
 <p:sld xmlns:a="http://schemas.openxmlformats.org/drawingml/2006/main" xmlns:r="http://schemas.openxmlformats.org/officeDocument/2006/relationships" xmlns:p="http://schemas.openxmlformats.org/presentationml/2006/main">
   <p:cSld>
     <p:bg>
@@ -37191,153 +37832,6 @@
   </p:cSld>
   <p:clrMapOvr>
     <a:overrideClrMapping bg1="dk1" tx1="lt1" bg2="dk2" tx2="lt2" accent1="accent1" accent2="accent2" accent3="accent3" accent4="accent4" accent5="accent5" accent6="accent6" hlink="hlink" folHlink="folHlink"/>
-  </p:clrMapOvr>
-</p:sld>
-</file>
-
-<file path=ppt/slides/slide19.xml><?xml version="1.0" encoding="utf-8"?>
-<p:sld xmlns:a="http://schemas.openxmlformats.org/drawingml/2006/main" xmlns:r="http://schemas.openxmlformats.org/officeDocument/2006/relationships" xmlns:p="http://schemas.openxmlformats.org/presentationml/2006/main">
-  <p:cSld>
-    <p:spTree>
-      <p:nvGrpSpPr>
-        <p:cNvPr id="1" name=""/>
-        <p:cNvGrpSpPr/>
-        <p:nvPr/>
-      </p:nvGrpSpPr>
-      <p:grpSpPr>
-        <a:xfrm>
-          <a:off x="0" y="0"/>
-          <a:ext cx="0" cy="0"/>
-          <a:chOff x="0" y="0"/>
-          <a:chExt cx="0" cy="0"/>
-        </a:xfrm>
-      </p:grpSpPr>
-      <p:sp>
-        <p:nvSpPr>
-          <p:cNvPr id="2" name="Title 1">
-            <a:extLst>
-              <a:ext uri="{FF2B5EF4-FFF2-40B4-BE49-F238E27FC236}">
-                <a16:creationId xmlns:a16="http://schemas.microsoft.com/office/drawing/2014/main" id="{DD02CB07-D22A-4063-851E-6881FE4EE481}"/>
-              </a:ext>
-            </a:extLst>
-          </p:cNvPr>
-          <p:cNvSpPr>
-            <a:spLocks noGrp="1"/>
-          </p:cNvSpPr>
-          <p:nvPr>
-            <p:ph type="title"/>
-          </p:nvPr>
-        </p:nvSpPr>
-        <p:spPr/>
-        <p:txBody>
-          <a:bodyPr/>
-          <a:lstStyle/>
-          <a:p>
-            <a:r>
-              <a:rPr lang="en-US" dirty="0"/>
-              <a:t>Resources</a:t>
-            </a:r>
-          </a:p>
-        </p:txBody>
-      </p:sp>
-      <p:sp>
-        <p:nvSpPr>
-          <p:cNvPr id="3" name="Content Placeholder 2">
-            <a:extLst>
-              <a:ext uri="{FF2B5EF4-FFF2-40B4-BE49-F238E27FC236}">
-                <a16:creationId xmlns:a16="http://schemas.microsoft.com/office/drawing/2014/main" id="{620F6A8F-28CB-42AE-917F-3702F867A29A}"/>
-              </a:ext>
-            </a:extLst>
-          </p:cNvPr>
-          <p:cNvSpPr>
-            <a:spLocks noGrp="1"/>
-          </p:cNvSpPr>
-          <p:nvPr>
-            <p:ph idx="1"/>
-          </p:nvPr>
-        </p:nvSpPr>
-        <p:spPr/>
-        <p:txBody>
-          <a:bodyPr/>
-          <a:lstStyle/>
-          <a:p>
-            <a:r>
-              <a:rPr lang="en-US" dirty="0">
-                <a:hlinkClick r:id="rId2"/>
-              </a:rPr>
-              <a:t>http://fsprojects.github.io/FSharp.Formatting/literate.html</a:t>
-            </a:r>
-          </a:p>
-          <a:p>
-            <a:r>
-              <a:rPr lang="en-US" dirty="0">
-                <a:hlinkClick r:id="rId2"/>
-              </a:rPr>
-              <a:t>https://fslab.org/download/</a:t>
-            </a:r>
-          </a:p>
-          <a:p>
-            <a:r>
-              <a:rPr lang="en-US" dirty="0">
-                <a:hlinkClick r:id="rId2"/>
-              </a:rPr>
-              <a:t>https://jupyter.org/</a:t>
-            </a:r>
-            <a:endParaRPr lang="en-US" dirty="0"/>
-          </a:p>
-          <a:p>
-            <a:r>
-              <a:rPr lang="en-US" dirty="0">
-                <a:hlinkClick r:id="rId3"/>
-              </a:rPr>
-              <a:t>https://github.com/fsprojects/IfSharp</a:t>
-            </a:r>
-            <a:endParaRPr lang="en-US" dirty="0"/>
-          </a:p>
-          <a:p>
-            <a:r>
-              <a:rPr lang="en-US" dirty="0">
-                <a:hlinkClick r:id="rId4"/>
-              </a:rPr>
-              <a:t>https://github.com/jupyter/nbgrader</a:t>
-            </a:r>
-            <a:endParaRPr lang="en-US" dirty="0"/>
-          </a:p>
-          <a:p>
-            <a:r>
-              <a:rPr lang="en-US" dirty="0">
-                <a:hlinkClick r:id="rId5"/>
-              </a:rPr>
-              <a:t>https://github.com/nteract/papermill</a:t>
-            </a:r>
-            <a:endParaRPr lang="en-US" dirty="0"/>
-          </a:p>
-          <a:p>
-            <a:r>
-              <a:rPr lang="en-US" dirty="0">
-                <a:hlinkClick r:id="rId6"/>
-              </a:rPr>
-              <a:t>https://notebooks.azure.com/lqdev/projects/southernfriedfsharp2019</a:t>
-            </a:r>
-            <a:endParaRPr lang="en-US" dirty="0"/>
-          </a:p>
-          <a:p>
-            <a:pPr marL="0" indent="0">
-              <a:buNone/>
-            </a:pPr>
-            <a:endParaRPr lang="en-US" dirty="0"/>
-          </a:p>
-        </p:txBody>
-      </p:sp>
-    </p:spTree>
-    <p:extLst>
-      <p:ext uri="{BB962C8B-B14F-4D97-AF65-F5344CB8AC3E}">
-        <p14:creationId xmlns:p14="http://schemas.microsoft.com/office/powerpoint/2010/main" val="2367222088"/>
-      </p:ext>
-    </p:extLst>
-  </p:cSld>
-  <p:clrMapOvr>
-    <a:masterClrMapping/>
   </p:clrMapOvr>
 </p:sld>
 </file>
@@ -38012,7 +38506,609 @@
 </p:sld>
 </file>
 
+<file path=ppt/slides/slide20.xml><?xml version="1.0" encoding="utf-8"?>
+<p:sld xmlns:a="http://schemas.openxmlformats.org/drawingml/2006/main" xmlns:r="http://schemas.openxmlformats.org/officeDocument/2006/relationships" xmlns:p="http://schemas.openxmlformats.org/presentationml/2006/main">
+  <p:cSld>
+    <p:bg>
+      <p:bgPr>
+        <a:solidFill>
+          <a:schemeClr val="bg1"/>
+        </a:solidFill>
+        <a:effectLst/>
+      </p:bgPr>
+    </p:bg>
+    <p:spTree>
+      <p:nvGrpSpPr>
+        <p:cNvPr id="1" name=""/>
+        <p:cNvGrpSpPr/>
+        <p:nvPr/>
+      </p:nvGrpSpPr>
+      <p:grpSpPr>
+        <a:xfrm>
+          <a:off x="0" y="0"/>
+          <a:ext cx="0" cy="0"/>
+          <a:chOff x="0" y="0"/>
+          <a:chExt cx="0" cy="0"/>
+        </a:xfrm>
+      </p:grpSpPr>
+      <p:sp>
+        <p:nvSpPr>
+          <p:cNvPr id="6" name="Title 5">
+            <a:extLst>
+              <a:ext uri="{FF2B5EF4-FFF2-40B4-BE49-F238E27FC236}">
+                <a16:creationId xmlns:a16="http://schemas.microsoft.com/office/drawing/2014/main" id="{12384FE6-4F9A-4F8F-B0DA-12D1677A862A}"/>
+              </a:ext>
+            </a:extLst>
+          </p:cNvPr>
+          <p:cNvSpPr>
+            <a:spLocks noGrp="1"/>
+          </p:cNvSpPr>
+          <p:nvPr>
+            <p:ph type="title"/>
+          </p:nvPr>
+        </p:nvSpPr>
+        <p:spPr>
+          <a:xfrm>
+            <a:off x="2370667" y="2187743"/>
+            <a:ext cx="5293449" cy="2482515"/>
+          </a:xfrm>
+        </p:spPr>
+        <p:txBody>
+          <a:bodyPr vert="horz" lIns="91440" tIns="45720" rIns="91440" bIns="45720" rtlCol="0" anchor="ctr">
+            <a:normAutofit/>
+          </a:bodyPr>
+          <a:lstStyle/>
+          <a:p>
+            <a:r>
+              <a:rPr lang="en-US" sz="6000" kern="1200" dirty="0">
+                <a:solidFill>
+                  <a:schemeClr val="tx1"/>
+                </a:solidFill>
+                <a:latin typeface="+mj-lt"/>
+                <a:ea typeface="+mj-ea"/>
+                <a:cs typeface="+mj-cs"/>
+              </a:rPr>
+              <a:t>Questions</a:t>
+            </a:r>
+          </a:p>
+        </p:txBody>
+      </p:sp>
+      <p:pic>
+        <p:nvPicPr>
+          <p:cNvPr id="17" name="Graphic 16" descr="Questions">
+            <a:extLst>
+              <a:ext uri="{FF2B5EF4-FFF2-40B4-BE49-F238E27FC236}">
+                <a16:creationId xmlns:a16="http://schemas.microsoft.com/office/drawing/2014/main" id="{5E98CE1A-D9D5-449B-A95E-04E53A1B96E8}"/>
+              </a:ext>
+            </a:extLst>
+          </p:cNvPr>
+          <p:cNvPicPr>
+            <a:picLocks noChangeAspect="1"/>
+          </p:cNvPicPr>
+          <p:nvPr/>
+        </p:nvPicPr>
+        <p:blipFill>
+          <a:blip r:embed="rId3">
+            <a:extLst>
+              <a:ext uri="{28A0092B-C50C-407E-A947-70E740481C1C}">
+                <a14:useLocalDpi xmlns:a14="http://schemas.microsoft.com/office/drawing/2010/main" val="0"/>
+              </a:ext>
+              <a:ext uri="{96DAC541-7B7A-43D3-8B79-37D633B846F1}">
+                <asvg:svgBlip xmlns:asvg="http://schemas.microsoft.com/office/drawing/2016/SVG/main" r:embed="rId4"/>
+              </a:ext>
+            </a:extLst>
+          </a:blip>
+          <a:stretch>
+            <a:fillRect/>
+          </a:stretch>
+        </p:blipFill>
+        <p:spPr>
+          <a:xfrm>
+            <a:off x="838201" y="2743201"/>
+            <a:ext cx="1371600" cy="1371600"/>
+          </a:xfrm>
+          <a:prstGeom prst="rect">
+            <a:avLst/>
+          </a:prstGeom>
+        </p:spPr>
+      </p:pic>
+      <p:pic>
+        <p:nvPicPr>
+          <p:cNvPr id="19" name="Graphic 18">
+            <a:extLst>
+              <a:ext uri="{FF2B5EF4-FFF2-40B4-BE49-F238E27FC236}">
+                <a16:creationId xmlns:a16="http://schemas.microsoft.com/office/drawing/2014/main" id="{391D8E36-C9D2-4986-AD4B-B71F9AC25A71}"/>
+              </a:ext>
+              <a:ext uri="{C183D7F6-B498-43B3-948B-1728B52AA6E4}">
+                <adec:decorative xmlns:adec="http://schemas.microsoft.com/office/drawing/2017/decorative" val="1"/>
+              </a:ext>
+            </a:extLst>
+          </p:cNvPr>
+          <p:cNvPicPr>
+            <a:picLocks noGrp="1" noRot="1" noChangeAspect="1" noMove="1" noResize="1" noEditPoints="1" noAdjustHandles="1" noChangeArrowheads="1" noChangeShapeType="1" noCrop="1"/>
+          </p:cNvPicPr>
+          <p:nvPr>
+            <p:extLst>
+              <p:ext uri="{386F3935-93C4-4BCD-93E2-E3B085C9AB24}">
+                <p16:designElem xmlns:p16="http://schemas.microsoft.com/office/powerpoint/2015/main" val="1"/>
+              </p:ext>
+            </p:extLst>
+          </p:nvPr>
+        </p:nvPicPr>
+        <p:blipFill>
+          <a:blip r:embed="rId3">
+            <a:alphaModFix amt="15000"/>
+            <a:extLst>
+              <a:ext uri="{28A0092B-C50C-407E-A947-70E740481C1C}">
+                <a14:useLocalDpi xmlns:a14="http://schemas.microsoft.com/office/drawing/2010/main" val="0"/>
+              </a:ext>
+              <a:ext uri="{96DAC541-7B7A-43D3-8B79-37D633B846F1}">
+                <asvg:svgBlip xmlns:asvg="http://schemas.microsoft.com/office/drawing/2016/SVG/main" r:embed="rId4"/>
+              </a:ext>
+            </a:extLst>
+          </a:blip>
+          <a:stretch>
+            <a:fillRect/>
+          </a:stretch>
+        </p:blipFill>
+        <p:spPr>
+          <a:xfrm>
+            <a:off x="6641431" y="816337"/>
+            <a:ext cx="5225327" cy="5225327"/>
+          </a:xfrm>
+          <a:prstGeom prst="rect">
+            <a:avLst/>
+          </a:prstGeom>
+        </p:spPr>
+      </p:pic>
+    </p:spTree>
+    <p:extLst>
+      <p:ext uri="{BB962C8B-B14F-4D97-AF65-F5344CB8AC3E}">
+        <p14:creationId xmlns:p14="http://schemas.microsoft.com/office/powerpoint/2010/main" val="799387873"/>
+      </p:ext>
+    </p:extLst>
+  </p:cSld>
+  <p:clrMapOvr>
+    <a:masterClrMapping/>
+  </p:clrMapOvr>
+</p:sld>
+</file>
+
+<file path=ppt/slides/slide21.xml><?xml version="1.0" encoding="utf-8"?>
+<p:sld xmlns:a="http://schemas.openxmlformats.org/drawingml/2006/main" xmlns:r="http://schemas.openxmlformats.org/officeDocument/2006/relationships" xmlns:p="http://schemas.openxmlformats.org/presentationml/2006/main">
+  <p:cSld>
+    <p:spTree>
+      <p:nvGrpSpPr>
+        <p:cNvPr id="1" name=""/>
+        <p:cNvGrpSpPr/>
+        <p:nvPr/>
+      </p:nvGrpSpPr>
+      <p:grpSpPr>
+        <a:xfrm>
+          <a:off x="0" y="0"/>
+          <a:ext cx="0" cy="0"/>
+          <a:chOff x="0" y="0"/>
+          <a:chExt cx="0" cy="0"/>
+        </a:xfrm>
+      </p:grpSpPr>
+      <p:sp>
+        <p:nvSpPr>
+          <p:cNvPr id="2" name="Title 1">
+            <a:extLst>
+              <a:ext uri="{FF2B5EF4-FFF2-40B4-BE49-F238E27FC236}">
+                <a16:creationId xmlns:a16="http://schemas.microsoft.com/office/drawing/2014/main" id="{DD02CB07-D22A-4063-851E-6881FE4EE481}"/>
+              </a:ext>
+            </a:extLst>
+          </p:cNvPr>
+          <p:cNvSpPr>
+            <a:spLocks noGrp="1"/>
+          </p:cNvSpPr>
+          <p:nvPr>
+            <p:ph type="title"/>
+          </p:nvPr>
+        </p:nvSpPr>
+        <p:spPr/>
+        <p:txBody>
+          <a:bodyPr/>
+          <a:lstStyle/>
+          <a:p>
+            <a:r>
+              <a:rPr lang="en-US" dirty="0"/>
+              <a:t>Resources</a:t>
+            </a:r>
+          </a:p>
+        </p:txBody>
+      </p:sp>
+      <p:sp>
+        <p:nvSpPr>
+          <p:cNvPr id="3" name="Content Placeholder 2">
+            <a:extLst>
+              <a:ext uri="{FF2B5EF4-FFF2-40B4-BE49-F238E27FC236}">
+                <a16:creationId xmlns:a16="http://schemas.microsoft.com/office/drawing/2014/main" id="{620F6A8F-28CB-42AE-917F-3702F867A29A}"/>
+              </a:ext>
+            </a:extLst>
+          </p:cNvPr>
+          <p:cNvSpPr>
+            <a:spLocks noGrp="1"/>
+          </p:cNvSpPr>
+          <p:nvPr>
+            <p:ph idx="1"/>
+          </p:nvPr>
+        </p:nvSpPr>
+        <p:spPr/>
+        <p:txBody>
+          <a:bodyPr/>
+          <a:lstStyle/>
+          <a:p>
+            <a:r>
+              <a:rPr lang="en-US" dirty="0">
+                <a:hlinkClick r:id="rId2"/>
+              </a:rPr>
+              <a:t>http://fsprojects.github.io/FSharp.Formatting/literate.html</a:t>
+            </a:r>
+          </a:p>
+          <a:p>
+            <a:r>
+              <a:rPr lang="en-US" dirty="0">
+                <a:hlinkClick r:id="rId2"/>
+              </a:rPr>
+              <a:t>https://fslab.org/download/</a:t>
+            </a:r>
+          </a:p>
+          <a:p>
+            <a:r>
+              <a:rPr lang="en-US" dirty="0">
+                <a:hlinkClick r:id="rId2"/>
+              </a:rPr>
+              <a:t>https://jupyter.org/</a:t>
+            </a:r>
+            <a:endParaRPr lang="en-US" dirty="0"/>
+          </a:p>
+          <a:p>
+            <a:r>
+              <a:rPr lang="en-US" dirty="0">
+                <a:hlinkClick r:id="rId3"/>
+              </a:rPr>
+              <a:t>https://github.com/fsprojects/IfSharp</a:t>
+            </a:r>
+            <a:endParaRPr lang="en-US" dirty="0"/>
+          </a:p>
+          <a:p>
+            <a:r>
+              <a:rPr lang="en-US" dirty="0">
+                <a:hlinkClick r:id="rId4"/>
+              </a:rPr>
+              <a:t>https://github.com/jupyter/nbgrader</a:t>
+            </a:r>
+            <a:endParaRPr lang="en-US" dirty="0"/>
+          </a:p>
+          <a:p>
+            <a:r>
+              <a:rPr lang="en-US" dirty="0">
+                <a:hlinkClick r:id="rId5"/>
+              </a:rPr>
+              <a:t>https://github.com/nteract/papermill</a:t>
+            </a:r>
+            <a:endParaRPr lang="en-US" dirty="0"/>
+          </a:p>
+          <a:p>
+            <a:r>
+              <a:rPr lang="en-US" dirty="0">
+                <a:hlinkClick r:id="rId6"/>
+              </a:rPr>
+              <a:t>https://notebooks.azure.com/lqdev/projects/southernfriedfsharp2019</a:t>
+            </a:r>
+            <a:endParaRPr lang="en-US" dirty="0"/>
+          </a:p>
+          <a:p>
+            <a:pPr marL="0" indent="0">
+              <a:buNone/>
+            </a:pPr>
+            <a:endParaRPr lang="en-US" dirty="0"/>
+          </a:p>
+        </p:txBody>
+      </p:sp>
+    </p:spTree>
+    <p:extLst>
+      <p:ext uri="{BB962C8B-B14F-4D97-AF65-F5344CB8AC3E}">
+        <p14:creationId xmlns:p14="http://schemas.microsoft.com/office/powerpoint/2010/main" val="2367222088"/>
+      </p:ext>
+    </p:extLst>
+  </p:cSld>
+  <p:clrMapOvr>
+    <a:masterClrMapping/>
+  </p:clrMapOvr>
+</p:sld>
+</file>
+
 <file path=ppt/slides/slide3.xml><?xml version="1.0" encoding="utf-8"?>
+<p:sld xmlns:a="http://schemas.openxmlformats.org/drawingml/2006/main" xmlns:r="http://schemas.openxmlformats.org/officeDocument/2006/relationships" xmlns:p="http://schemas.openxmlformats.org/presentationml/2006/main">
+  <p:cSld>
+    <p:bg>
+      <p:bgPr>
+        <a:solidFill>
+          <a:schemeClr val="bg1"/>
+        </a:solidFill>
+        <a:effectLst/>
+      </p:bgPr>
+    </p:bg>
+    <p:spTree>
+      <p:nvGrpSpPr>
+        <p:cNvPr id="1" name=""/>
+        <p:cNvGrpSpPr/>
+        <p:nvPr/>
+      </p:nvGrpSpPr>
+      <p:grpSpPr>
+        <a:xfrm>
+          <a:off x="0" y="0"/>
+          <a:ext cx="0" cy="0"/>
+          <a:chOff x="0" y="0"/>
+          <a:chExt cx="0" cy="0"/>
+        </a:xfrm>
+      </p:grpSpPr>
+      <p:sp>
+        <p:nvSpPr>
+          <p:cNvPr id="2" name="Title 1">
+            <a:extLst>
+              <a:ext uri="{FF2B5EF4-FFF2-40B4-BE49-F238E27FC236}">
+                <a16:creationId xmlns:a16="http://schemas.microsoft.com/office/drawing/2014/main" id="{039E6AC0-68B6-4440-8728-A7C807E10993}"/>
+              </a:ext>
+            </a:extLst>
+          </p:cNvPr>
+          <p:cNvSpPr>
+            <a:spLocks noGrp="1"/>
+          </p:cNvSpPr>
+          <p:nvPr>
+            <p:ph type="title"/>
+          </p:nvPr>
+        </p:nvSpPr>
+        <p:spPr>
+          <a:xfrm>
+            <a:off x="1136428" y="627564"/>
+            <a:ext cx="7474172" cy="1325563"/>
+          </a:xfrm>
+        </p:spPr>
+        <p:txBody>
+          <a:bodyPr>
+            <a:normAutofit/>
+          </a:bodyPr>
+          <a:lstStyle/>
+          <a:p>
+            <a:r>
+              <a:rPr lang="en-US" dirty="0"/>
+              <a:t>Code &amp; Slides</a:t>
+            </a:r>
+          </a:p>
+        </p:txBody>
+      </p:sp>
+      <p:sp>
+        <p:nvSpPr>
+          <p:cNvPr id="3" name="Content Placeholder 2">
+            <a:extLst>
+              <a:ext uri="{FF2B5EF4-FFF2-40B4-BE49-F238E27FC236}">
+                <a16:creationId xmlns:a16="http://schemas.microsoft.com/office/drawing/2014/main" id="{EF6072F5-84A4-4D9C-B315-58DF7EE3F0D7}"/>
+              </a:ext>
+            </a:extLst>
+          </p:cNvPr>
+          <p:cNvSpPr>
+            <a:spLocks noGrp="1"/>
+          </p:cNvSpPr>
+          <p:nvPr>
+            <p:ph idx="1"/>
+          </p:nvPr>
+        </p:nvSpPr>
+        <p:spPr>
+          <a:xfrm>
+            <a:off x="1136429" y="2278173"/>
+            <a:ext cx="6467867" cy="3450613"/>
+          </a:xfrm>
+        </p:spPr>
+        <p:txBody>
+          <a:bodyPr anchor="ctr">
+            <a:normAutofit/>
+          </a:bodyPr>
+          <a:lstStyle/>
+          <a:p>
+            <a:pPr marL="0" indent="0">
+              <a:buNone/>
+            </a:pPr>
+            <a:r>
+              <a:rPr lang="en-US" sz="3000" dirty="0">
+                <a:hlinkClick r:id="rId2"/>
+              </a:rPr>
+              <a:t>http://bit.ly/SouthernFriedFSharp2019</a:t>
+            </a:r>
+            <a:endParaRPr lang="en-US" sz="3000" dirty="0"/>
+          </a:p>
+          <a:p>
+            <a:pPr marL="0" indent="0">
+              <a:buNone/>
+            </a:pPr>
+            <a:endParaRPr lang="en-US" sz="2400" dirty="0"/>
+          </a:p>
+        </p:txBody>
+      </p:sp>
+      <p:sp>
+        <p:nvSpPr>
+          <p:cNvPr id="10" name="Rectangle 9">
+            <a:extLst>
+              <a:ext uri="{FF2B5EF4-FFF2-40B4-BE49-F238E27FC236}">
+                <a16:creationId xmlns:a16="http://schemas.microsoft.com/office/drawing/2014/main" id="{59A309A7-1751-4ABE-A3C1-EEC40366AD89}"/>
+              </a:ext>
+              <a:ext uri="{C183D7F6-B498-43B3-948B-1728B52AA6E4}">
+                <adec:decorative xmlns:adec="http://schemas.microsoft.com/office/drawing/2017/decorative" val="1"/>
+              </a:ext>
+            </a:extLst>
+          </p:cNvPr>
+          <p:cNvSpPr>
+            <a:spLocks noGrp="1" noRot="1" noChangeAspect="1" noMove="1" noResize="1" noEditPoints="1" noAdjustHandles="1" noChangeArrowheads="1" noChangeShapeType="1" noTextEdit="1"/>
+          </p:cNvSpPr>
+          <p:nvPr>
+            <p:extLst>
+              <p:ext uri="{386F3935-93C4-4BCD-93E2-E3B085C9AB24}">
+                <p16:designElem xmlns:p16="http://schemas.microsoft.com/office/powerpoint/2015/main" val="1"/>
+              </p:ext>
+            </p:extLst>
+          </p:nvPr>
+        </p:nvSpPr>
+        <p:spPr>
+          <a:xfrm>
+            <a:off x="10088880" y="0"/>
+            <a:ext cx="2103120" cy="6858000"/>
+          </a:xfrm>
+          <a:prstGeom prst="rect">
+            <a:avLst/>
+          </a:prstGeom>
+          <a:solidFill>
+            <a:schemeClr val="accent1"/>
+          </a:solidFill>
+          <a:ln>
+            <a:noFill/>
+          </a:ln>
+        </p:spPr>
+        <p:style>
+          <a:lnRef idx="2">
+            <a:schemeClr val="accent1">
+              <a:shade val="50000"/>
+            </a:schemeClr>
+          </a:lnRef>
+          <a:fillRef idx="1">
+            <a:schemeClr val="accent1"/>
+          </a:fillRef>
+          <a:effectRef idx="0">
+            <a:schemeClr val="accent1"/>
+          </a:effectRef>
+          <a:fontRef idx="minor">
+            <a:schemeClr val="lt1"/>
+          </a:fontRef>
+        </p:style>
+        <p:txBody>
+          <a:bodyPr rtlCol="0" anchor="ctr"/>
+          <a:lstStyle/>
+          <a:p>
+            <a:pPr algn="ctr"/>
+            <a:endParaRPr lang="en-US"/>
+          </a:p>
+        </p:txBody>
+      </p:sp>
+      <p:sp>
+        <p:nvSpPr>
+          <p:cNvPr id="12" name="Oval 11">
+            <a:extLst>
+              <a:ext uri="{FF2B5EF4-FFF2-40B4-BE49-F238E27FC236}">
+                <a16:creationId xmlns:a16="http://schemas.microsoft.com/office/drawing/2014/main" id="{967D8EB6-EAE1-4F9C-B398-83321E287204}"/>
+              </a:ext>
+              <a:ext uri="{C183D7F6-B498-43B3-948B-1728B52AA6E4}">
+                <adec:decorative xmlns:adec="http://schemas.microsoft.com/office/drawing/2017/decorative" val="1"/>
+              </a:ext>
+            </a:extLst>
+          </p:cNvPr>
+          <p:cNvSpPr>
+            <a:spLocks noGrp="1" noRot="1" noChangeAspect="1" noMove="1" noResize="1" noEditPoints="1" noAdjustHandles="1" noChangeArrowheads="1" noChangeShapeType="1" noTextEdit="1"/>
+          </p:cNvSpPr>
+          <p:nvPr>
+            <p:extLst>
+              <p:ext uri="{386F3935-93C4-4BCD-93E2-E3B085C9AB24}">
+                <p16:designElem xmlns:p16="http://schemas.microsoft.com/office/powerpoint/2015/main" val="1"/>
+              </p:ext>
+            </p:extLst>
+          </p:nvPr>
+        </p:nvSpPr>
+        <p:spPr>
+          <a:xfrm>
+            <a:off x="8915400" y="2358913"/>
+            <a:ext cx="2140172" cy="2140172"/>
+          </a:xfrm>
+          <a:prstGeom prst="ellipse">
+            <a:avLst/>
+          </a:prstGeom>
+          <a:solidFill>
+            <a:srgbClr val="FFFFFF"/>
+          </a:solidFill>
+          <a:ln w="22225">
+            <a:solidFill>
+              <a:schemeClr val="accent1"/>
+            </a:solidFill>
+          </a:ln>
+        </p:spPr>
+        <p:style>
+          <a:lnRef idx="2">
+            <a:schemeClr val="accent1">
+              <a:shade val="50000"/>
+            </a:schemeClr>
+          </a:lnRef>
+          <a:fillRef idx="1">
+            <a:schemeClr val="accent1"/>
+          </a:fillRef>
+          <a:effectRef idx="0">
+            <a:schemeClr val="accent1"/>
+          </a:effectRef>
+          <a:fontRef idx="minor">
+            <a:schemeClr val="lt1"/>
+          </a:fontRef>
+        </p:style>
+        <p:txBody>
+          <a:bodyPr rtlCol="0" anchor="ctr"/>
+          <a:lstStyle/>
+          <a:p>
+            <a:pPr algn="ctr"/>
+            <a:endParaRPr lang="en-US"/>
+          </a:p>
+        </p:txBody>
+      </p:sp>
+      <p:pic>
+        <p:nvPicPr>
+          <p:cNvPr id="7" name="Graphic 6" descr="Code">
+            <a:extLst>
+              <a:ext uri="{FF2B5EF4-FFF2-40B4-BE49-F238E27FC236}">
+                <a16:creationId xmlns:a16="http://schemas.microsoft.com/office/drawing/2014/main" id="{7CB8BA96-B571-48DD-A34F-6C71B41FB06B}"/>
+              </a:ext>
+            </a:extLst>
+          </p:cNvPr>
+          <p:cNvPicPr>
+            <a:picLocks noChangeAspect="1"/>
+          </p:cNvPicPr>
+          <p:nvPr/>
+        </p:nvPicPr>
+        <p:blipFill>
+          <a:blip r:embed="rId3">
+            <a:extLst>
+              <a:ext uri="{28A0092B-C50C-407E-A947-70E740481C1C}">
+                <a14:useLocalDpi xmlns:a14="http://schemas.microsoft.com/office/drawing/2010/main" val="0"/>
+              </a:ext>
+              <a:ext uri="{96DAC541-7B7A-43D3-8B79-37D633B846F1}">
+                <asvg:svgBlip xmlns:asvg="http://schemas.microsoft.com/office/drawing/2016/SVG/main" r:embed="rId4"/>
+              </a:ext>
+            </a:extLst>
+          </a:blip>
+          <a:stretch>
+            <a:fillRect/>
+          </a:stretch>
+        </p:blipFill>
+        <p:spPr>
+          <a:xfrm>
+            <a:off x="9413987" y="2857501"/>
+            <a:ext cx="1142998" cy="1142998"/>
+          </a:xfrm>
+          <a:prstGeom prst="rect">
+            <a:avLst/>
+          </a:prstGeom>
+        </p:spPr>
+      </p:pic>
+    </p:spTree>
+    <p:extLst>
+      <p:ext uri="{BB962C8B-B14F-4D97-AF65-F5344CB8AC3E}">
+        <p14:creationId xmlns:p14="http://schemas.microsoft.com/office/powerpoint/2010/main" val="2474555012"/>
+      </p:ext>
+    </p:extLst>
+  </p:cSld>
+  <p:clrMapOvr>
+    <a:masterClrMapping/>
+  </p:clrMapOvr>
+</p:sld>
+</file>
+
+<file path=ppt/slides/slide4.xml><?xml version="1.0" encoding="utf-8"?>
 <p:sld xmlns:a="http://schemas.openxmlformats.org/drawingml/2006/main" xmlns:r="http://schemas.openxmlformats.org/officeDocument/2006/relationships" xmlns:p="http://schemas.openxmlformats.org/presentationml/2006/main">
   <p:cSld>
     <p:bg>
@@ -38601,7 +39697,7 @@
 </p:sld>
 </file>
 
-<file path=ppt/slides/slide4.xml><?xml version="1.0" encoding="utf-8"?>
+<file path=ppt/slides/slide5.xml><?xml version="1.0" encoding="utf-8"?>
 <p:sld xmlns:a="http://schemas.openxmlformats.org/drawingml/2006/main" xmlns:r="http://schemas.openxmlformats.org/officeDocument/2006/relationships" xmlns:p="http://schemas.openxmlformats.org/presentationml/2006/main">
   <p:cSld>
     <p:bg>
@@ -39190,7 +40286,7 @@
 </p:sld>
 </file>
 
-<file path=ppt/slides/slide5.xml><?xml version="1.0" encoding="utf-8"?>
+<file path=ppt/slides/slide6.xml><?xml version="1.0" encoding="utf-8"?>
 <p:sld xmlns:a="http://schemas.openxmlformats.org/drawingml/2006/main" xmlns:r="http://schemas.openxmlformats.org/officeDocument/2006/relationships" xmlns:p="http://schemas.openxmlformats.org/presentationml/2006/main">
   <p:cSld>
     <p:bg>
@@ -39751,7 +40847,7 @@
             <p:ph idx="1"/>
             <p:extLst>
               <p:ext uri="{D42A27DB-BD31-4B8C-83A1-F6EECF244321}">
-                <p14:modId xmlns:p14="http://schemas.microsoft.com/office/powerpoint/2010/main" val="1242018550"/>
+                <p14:modId xmlns:p14="http://schemas.microsoft.com/office/powerpoint/2010/main" val="3683550192"/>
               </p:ext>
             </p:extLst>
           </p:nvPr>
@@ -39779,7 +40875,7 @@
 </p:sld>
 </file>
 
-<file path=ppt/slides/slide6.xml><?xml version="1.0" encoding="utf-8"?>
+<file path=ppt/slides/slide7.xml><?xml version="1.0" encoding="utf-8"?>
 <p:sld xmlns:a="http://schemas.openxmlformats.org/drawingml/2006/main" xmlns:r="http://schemas.openxmlformats.org/officeDocument/2006/relationships" xmlns:p="http://schemas.openxmlformats.org/presentationml/2006/main">
   <p:cSld>
     <p:bg>
@@ -40340,7 +41436,7 @@
             <p:ph idx="1"/>
             <p:extLst>
               <p:ext uri="{D42A27DB-BD31-4B8C-83A1-F6EECF244321}">
-                <p14:modId xmlns:p14="http://schemas.microsoft.com/office/powerpoint/2010/main" val="2536387888"/>
+                <p14:modId xmlns:p14="http://schemas.microsoft.com/office/powerpoint/2010/main" val="4133826701"/>
               </p:ext>
             </p:extLst>
           </p:nvPr>
@@ -40368,7 +41464,7 @@
 </p:sld>
 </file>
 
-<file path=ppt/slides/slide7.xml><?xml version="1.0" encoding="utf-8"?>
+<file path=ppt/slides/slide8.xml><?xml version="1.0" encoding="utf-8"?>
 <p:sld xmlns:a="http://schemas.openxmlformats.org/drawingml/2006/main" xmlns:r="http://schemas.openxmlformats.org/officeDocument/2006/relationships" xmlns:p="http://schemas.openxmlformats.org/presentationml/2006/main">
   <p:cSld>
     <p:bg>
@@ -40801,7 +41897,7 @@
 </p:sld>
 </file>
 
-<file path=ppt/slides/slide8.xml><?xml version="1.0" encoding="utf-8"?>
+<file path=ppt/slides/slide9.xml><?xml version="1.0" encoding="utf-8"?>
 <p:sld xmlns:a="http://schemas.openxmlformats.org/drawingml/2006/main" xmlns:r="http://schemas.openxmlformats.org/officeDocument/2006/relationships" xmlns:p="http://schemas.openxmlformats.org/presentationml/2006/main">
   <p:cSld>
     <p:bg>
@@ -41362,7 +42458,7 @@
             <p:ph idx="1"/>
             <p:extLst>
               <p:ext uri="{D42A27DB-BD31-4B8C-83A1-F6EECF244321}">
-                <p14:modId xmlns:p14="http://schemas.microsoft.com/office/powerpoint/2010/main" val="2639240959"/>
+                <p14:modId xmlns:p14="http://schemas.microsoft.com/office/powerpoint/2010/main" val="2709886852"/>
               </p:ext>
             </p:extLst>
           </p:nvPr>
@@ -41386,442 +42482,6 @@
   </p:cSld>
   <p:clrMapOvr>
     <a:masterClrMapping/>
-  </p:clrMapOvr>
-</p:sld>
-</file>
-
-<file path=ppt/slides/slide9.xml><?xml version="1.0" encoding="utf-8"?>
-<p:sld xmlns:a="http://schemas.openxmlformats.org/drawingml/2006/main" xmlns:r="http://schemas.openxmlformats.org/officeDocument/2006/relationships" xmlns:p="http://schemas.openxmlformats.org/presentationml/2006/main">
-  <p:cSld>
-    <p:bg>
-      <p:bgPr>
-        <a:solidFill>
-          <a:schemeClr val="bg1">
-            <a:tint val="95000"/>
-            <a:satMod val="170000"/>
-          </a:schemeClr>
-        </a:solidFill>
-        <a:effectLst/>
-      </p:bgPr>
-    </p:bg>
-    <p:spTree>
-      <p:nvGrpSpPr>
-        <p:cNvPr id="1" name=""/>
-        <p:cNvGrpSpPr/>
-        <p:nvPr/>
-      </p:nvGrpSpPr>
-      <p:grpSpPr>
-        <a:xfrm>
-          <a:off x="0" y="0"/>
-          <a:ext cx="0" cy="0"/>
-          <a:chOff x="0" y="0"/>
-          <a:chExt cx="0" cy="0"/>
-        </a:xfrm>
-      </p:grpSpPr>
-      <p:sp>
-        <p:nvSpPr>
-          <p:cNvPr id="11" name="Freeform: Shape 10">
-            <a:extLst>
-              <a:ext uri="{FF2B5EF4-FFF2-40B4-BE49-F238E27FC236}">
-                <a16:creationId xmlns:a16="http://schemas.microsoft.com/office/drawing/2014/main" id="{66B332A4-D438-4773-A77F-5ED49A448D9D}"/>
-              </a:ext>
-              <a:ext uri="{C183D7F6-B498-43B3-948B-1728B52AA6E4}">
-                <adec:decorative xmlns:adec="http://schemas.microsoft.com/office/drawing/2017/decorative" val="1"/>
-              </a:ext>
-            </a:extLst>
-          </p:cNvPr>
-          <p:cNvSpPr>
-            <a:spLocks noGrp="1" noRot="1" noChangeAspect="1" noMove="1" noResize="1" noEditPoints="1" noAdjustHandles="1" noChangeArrowheads="1" noChangeShapeType="1" noTextEdit="1"/>
-          </p:cNvSpPr>
-          <p:nvPr>
-            <p:extLst>
-              <p:ext uri="{386F3935-93C4-4BCD-93E2-E3B085C9AB24}">
-                <p16:designElem xmlns:p16="http://schemas.microsoft.com/office/powerpoint/2015/main" val="1"/>
-              </p:ext>
-            </p:extLst>
-          </p:nvPr>
-        </p:nvSpPr>
-        <p:spPr>
-          <a:xfrm>
-            <a:off x="1953768" y="0"/>
-            <a:ext cx="8284464" cy="6858000"/>
-          </a:xfrm>
-          <a:custGeom>
-            <a:avLst/>
-            <a:gdLst>
-              <a:gd name="connsiteX0" fmla="*/ 1818109 w 8284464"/>
-              <a:gd name="connsiteY0" fmla="*/ 0 h 6858000"/>
-              <a:gd name="connsiteX1" fmla="*/ 6466355 w 8284464"/>
-              <a:gd name="connsiteY1" fmla="*/ 0 h 6858000"/>
-              <a:gd name="connsiteX2" fmla="*/ 6620596 w 8284464"/>
-              <a:gd name="connsiteY2" fmla="*/ 109683 h 6858000"/>
-              <a:gd name="connsiteX3" fmla="*/ 8284464 w 8284464"/>
-              <a:gd name="connsiteY3" fmla="*/ 3429000 h 6858000"/>
-              <a:gd name="connsiteX4" fmla="*/ 6620596 w 8284464"/>
-              <a:gd name="connsiteY4" fmla="*/ 6748318 h 6858000"/>
-              <a:gd name="connsiteX5" fmla="*/ 6466355 w 8284464"/>
-              <a:gd name="connsiteY5" fmla="*/ 6858000 h 6858000"/>
-              <a:gd name="connsiteX6" fmla="*/ 1818109 w 8284464"/>
-              <a:gd name="connsiteY6" fmla="*/ 6858000 h 6858000"/>
-              <a:gd name="connsiteX7" fmla="*/ 1663869 w 8284464"/>
-              <a:gd name="connsiteY7" fmla="*/ 6748318 h 6858000"/>
-              <a:gd name="connsiteX8" fmla="*/ 0 w 8284464"/>
-              <a:gd name="connsiteY8" fmla="*/ 3429000 h 6858000"/>
-              <a:gd name="connsiteX9" fmla="*/ 1663869 w 8284464"/>
-              <a:gd name="connsiteY9" fmla="*/ 109683 h 6858000"/>
-            </a:gdLst>
-            <a:ahLst/>
-            <a:cxnLst>
-              <a:cxn ang="0">
-                <a:pos x="connsiteX0" y="connsiteY0"/>
-              </a:cxn>
-              <a:cxn ang="0">
-                <a:pos x="connsiteX1" y="connsiteY1"/>
-              </a:cxn>
-              <a:cxn ang="0">
-                <a:pos x="connsiteX2" y="connsiteY2"/>
-              </a:cxn>
-              <a:cxn ang="0">
-                <a:pos x="connsiteX3" y="connsiteY3"/>
-              </a:cxn>
-              <a:cxn ang="0">
-                <a:pos x="connsiteX4" y="connsiteY4"/>
-              </a:cxn>
-              <a:cxn ang="0">
-                <a:pos x="connsiteX5" y="connsiteY5"/>
-              </a:cxn>
-              <a:cxn ang="0">
-                <a:pos x="connsiteX6" y="connsiteY6"/>
-              </a:cxn>
-              <a:cxn ang="0">
-                <a:pos x="connsiteX7" y="connsiteY7"/>
-              </a:cxn>
-              <a:cxn ang="0">
-                <a:pos x="connsiteX8" y="connsiteY8"/>
-              </a:cxn>
-              <a:cxn ang="0">
-                <a:pos x="connsiteX9" y="connsiteY9"/>
-              </a:cxn>
-            </a:cxnLst>
-            <a:rect l="l" t="t" r="r" b="b"/>
-            <a:pathLst>
-              <a:path w="8284464" h="6858000">
-                <a:moveTo>
-                  <a:pt x="1818109" y="0"/>
-                </a:moveTo>
-                <a:lnTo>
-                  <a:pt x="6466355" y="0"/>
-                </a:lnTo>
-                <a:lnTo>
-                  <a:pt x="6620596" y="109683"/>
-                </a:lnTo>
-                <a:cubicBezTo>
-                  <a:pt x="7630666" y="865069"/>
-                  <a:pt x="8284464" y="2070683"/>
-                  <a:pt x="8284464" y="3429000"/>
-                </a:cubicBezTo>
-                <a:cubicBezTo>
-                  <a:pt x="8284464" y="4787317"/>
-                  <a:pt x="7630666" y="5992931"/>
-                  <a:pt x="6620596" y="6748318"/>
-                </a:cubicBezTo>
-                <a:lnTo>
-                  <a:pt x="6466355" y="6858000"/>
-                </a:lnTo>
-                <a:lnTo>
-                  <a:pt x="1818109" y="6858000"/>
-                </a:lnTo>
-                <a:lnTo>
-                  <a:pt x="1663869" y="6748318"/>
-                </a:lnTo>
-                <a:cubicBezTo>
-                  <a:pt x="653798" y="5992931"/>
-                  <a:pt x="0" y="4787317"/>
-                  <a:pt x="0" y="3429000"/>
-                </a:cubicBezTo>
-                <a:cubicBezTo>
-                  <a:pt x="0" y="2070683"/>
-                  <a:pt x="653798" y="865069"/>
-                  <a:pt x="1663869" y="109683"/>
-                </a:cubicBezTo>
-                <a:close/>
-              </a:path>
-            </a:pathLst>
-          </a:custGeom>
-          <a:solidFill>
-            <a:srgbClr val="FFFFFF">
-              <a:alpha val="80000"/>
-            </a:srgbClr>
-          </a:solidFill>
-          <a:ln>
-            <a:noFill/>
-          </a:ln>
-        </p:spPr>
-        <p:style>
-          <a:lnRef idx="2">
-            <a:schemeClr val="accent1">
-              <a:shade val="50000"/>
-            </a:schemeClr>
-          </a:lnRef>
-          <a:fillRef idx="1">
-            <a:schemeClr val="accent1"/>
-          </a:fillRef>
-          <a:effectRef idx="0">
-            <a:schemeClr val="accent1"/>
-          </a:effectRef>
-          <a:fontRef idx="minor">
-            <a:schemeClr val="lt1"/>
-          </a:fontRef>
-        </p:style>
-        <p:txBody>
-          <a:bodyPr wrap="square" rtlCol="0" anchor="ctr">
-            <a:noAutofit/>
-          </a:bodyPr>
-          <a:lstStyle/>
-          <a:p>
-            <a:pPr algn="ctr"/>
-            <a:endParaRPr lang="en-US"/>
-          </a:p>
-        </p:txBody>
-      </p:sp>
-      <p:sp>
-        <p:nvSpPr>
-          <p:cNvPr id="13" name="Freeform: Shape 12">
-            <a:extLst>
-              <a:ext uri="{FF2B5EF4-FFF2-40B4-BE49-F238E27FC236}">
-                <a16:creationId xmlns:a16="http://schemas.microsoft.com/office/drawing/2014/main" id="{DF9AD32D-FF05-44F4-BD4D-9CEE89B71EB9}"/>
-              </a:ext>
-              <a:ext uri="{C183D7F6-B498-43B3-948B-1728B52AA6E4}">
-                <adec:decorative xmlns:adec="http://schemas.microsoft.com/office/drawing/2017/decorative" val="1"/>
-              </a:ext>
-            </a:extLst>
-          </p:cNvPr>
-          <p:cNvSpPr>
-            <a:spLocks noGrp="1" noRot="1" noChangeAspect="1" noMove="1" noResize="1" noEditPoints="1" noAdjustHandles="1" noChangeArrowheads="1" noChangeShapeType="1" noTextEdit="1"/>
-          </p:cNvSpPr>
-          <p:nvPr>
-            <p:extLst>
-              <p:ext uri="{386F3935-93C4-4BCD-93E2-E3B085C9AB24}">
-                <p16:designElem xmlns:p16="http://schemas.microsoft.com/office/powerpoint/2015/main" val="1"/>
-              </p:ext>
-            </p:extLst>
-          </p:nvPr>
-        </p:nvSpPr>
-        <p:spPr>
-          <a:xfrm>
-            <a:off x="2118360" y="0"/>
-            <a:ext cx="7955280" cy="6858000"/>
-          </a:xfrm>
-          <a:custGeom>
-            <a:avLst/>
-            <a:gdLst>
-              <a:gd name="connsiteX0" fmla="*/ 1962423 w 7955280"/>
-              <a:gd name="connsiteY0" fmla="*/ 0 h 6858000"/>
-              <a:gd name="connsiteX1" fmla="*/ 5992858 w 7955280"/>
-              <a:gd name="connsiteY1" fmla="*/ 0 h 6858000"/>
-              <a:gd name="connsiteX2" fmla="*/ 6040191 w 7955280"/>
-              <a:gd name="connsiteY2" fmla="*/ 27216 h 6858000"/>
-              <a:gd name="connsiteX3" fmla="*/ 7955280 w 7955280"/>
-              <a:gd name="connsiteY3" fmla="*/ 3429000 h 6858000"/>
-              <a:gd name="connsiteX4" fmla="*/ 6040191 w 7955280"/>
-              <a:gd name="connsiteY4" fmla="*/ 6830784 h 6858000"/>
-              <a:gd name="connsiteX5" fmla="*/ 5992858 w 7955280"/>
-              <a:gd name="connsiteY5" fmla="*/ 6858000 h 6858000"/>
-              <a:gd name="connsiteX6" fmla="*/ 1962423 w 7955280"/>
-              <a:gd name="connsiteY6" fmla="*/ 6858000 h 6858000"/>
-              <a:gd name="connsiteX7" fmla="*/ 1915089 w 7955280"/>
-              <a:gd name="connsiteY7" fmla="*/ 6830784 h 6858000"/>
-              <a:gd name="connsiteX8" fmla="*/ 0 w 7955280"/>
-              <a:gd name="connsiteY8" fmla="*/ 3429000 h 6858000"/>
-              <a:gd name="connsiteX9" fmla="*/ 1915089 w 7955280"/>
-              <a:gd name="connsiteY9" fmla="*/ 27216 h 6858000"/>
-            </a:gdLst>
-            <a:ahLst/>
-            <a:cxnLst>
-              <a:cxn ang="0">
-                <a:pos x="connsiteX0" y="connsiteY0"/>
-              </a:cxn>
-              <a:cxn ang="0">
-                <a:pos x="connsiteX1" y="connsiteY1"/>
-              </a:cxn>
-              <a:cxn ang="0">
-                <a:pos x="connsiteX2" y="connsiteY2"/>
-              </a:cxn>
-              <a:cxn ang="0">
-                <a:pos x="connsiteX3" y="connsiteY3"/>
-              </a:cxn>
-              <a:cxn ang="0">
-                <a:pos x="connsiteX4" y="connsiteY4"/>
-              </a:cxn>
-              <a:cxn ang="0">
-                <a:pos x="connsiteX5" y="connsiteY5"/>
-              </a:cxn>
-              <a:cxn ang="0">
-                <a:pos x="connsiteX6" y="connsiteY6"/>
-              </a:cxn>
-              <a:cxn ang="0">
-                <a:pos x="connsiteX7" y="connsiteY7"/>
-              </a:cxn>
-              <a:cxn ang="0">
-                <a:pos x="connsiteX8" y="connsiteY8"/>
-              </a:cxn>
-              <a:cxn ang="0">
-                <a:pos x="connsiteX9" y="connsiteY9"/>
-              </a:cxn>
-            </a:cxnLst>
-            <a:rect l="l" t="t" r="r" b="b"/>
-            <a:pathLst>
-              <a:path w="7955280" h="6858000">
-                <a:moveTo>
-                  <a:pt x="1962423" y="0"/>
-                </a:moveTo>
-                <a:lnTo>
-                  <a:pt x="5992858" y="0"/>
-                </a:lnTo>
-                <a:lnTo>
-                  <a:pt x="6040191" y="27216"/>
-                </a:lnTo>
-                <a:cubicBezTo>
-                  <a:pt x="7188332" y="724844"/>
-                  <a:pt x="7955280" y="1987357"/>
-                  <a:pt x="7955280" y="3429000"/>
-                </a:cubicBezTo>
-                <a:cubicBezTo>
-                  <a:pt x="7955280" y="4870644"/>
-                  <a:pt x="7188332" y="6133157"/>
-                  <a:pt x="6040191" y="6830784"/>
-                </a:cubicBezTo>
-                <a:lnTo>
-                  <a:pt x="5992858" y="6858000"/>
-                </a:lnTo>
-                <a:lnTo>
-                  <a:pt x="1962423" y="6858000"/>
-                </a:lnTo>
-                <a:lnTo>
-                  <a:pt x="1915089" y="6830784"/>
-                </a:lnTo>
-                <a:cubicBezTo>
-                  <a:pt x="766948" y="6133157"/>
-                  <a:pt x="0" y="4870644"/>
-                  <a:pt x="0" y="3429000"/>
-                </a:cubicBezTo>
-                <a:cubicBezTo>
-                  <a:pt x="0" y="1987357"/>
-                  <a:pt x="766948" y="724844"/>
-                  <a:pt x="1915089" y="27216"/>
-                </a:cubicBezTo>
-                <a:close/>
-              </a:path>
-            </a:pathLst>
-          </a:custGeom>
-          <a:solidFill>
-            <a:schemeClr val="tx1"/>
-          </a:solidFill>
-          <a:ln>
-            <a:noFill/>
-          </a:ln>
-        </p:spPr>
-        <p:style>
-          <a:lnRef idx="2">
-            <a:schemeClr val="accent1">
-              <a:shade val="50000"/>
-            </a:schemeClr>
-          </a:lnRef>
-          <a:fillRef idx="1">
-            <a:schemeClr val="accent1"/>
-          </a:fillRef>
-          <a:effectRef idx="0">
-            <a:schemeClr val="accent1"/>
-          </a:effectRef>
-          <a:fontRef idx="minor">
-            <a:schemeClr val="lt1"/>
-          </a:fontRef>
-        </p:style>
-        <p:txBody>
-          <a:bodyPr wrap="square" rtlCol="0" anchor="ctr">
-            <a:noAutofit/>
-          </a:bodyPr>
-          <a:lstStyle/>
-          <a:p>
-            <a:pPr algn="ctr"/>
-            <a:endParaRPr lang="en-US"/>
-          </a:p>
-        </p:txBody>
-      </p:sp>
-      <p:sp>
-        <p:nvSpPr>
-          <p:cNvPr id="6" name="Title 5">
-            <a:extLst>
-              <a:ext uri="{FF2B5EF4-FFF2-40B4-BE49-F238E27FC236}">
-                <a16:creationId xmlns:a16="http://schemas.microsoft.com/office/drawing/2014/main" id="{12384FE6-4F9A-4F8F-B0DA-12D1677A862A}"/>
-              </a:ext>
-            </a:extLst>
-          </p:cNvPr>
-          <p:cNvSpPr>
-            <a:spLocks noGrp="1"/>
-          </p:cNvSpPr>
-          <p:nvPr>
-            <p:ph type="title"/>
-          </p:nvPr>
-        </p:nvSpPr>
-        <p:spPr>
-          <a:xfrm>
-            <a:off x="2555631" y="1441938"/>
-            <a:ext cx="7080738" cy="3974124"/>
-          </a:xfrm>
-        </p:spPr>
-        <p:txBody>
-          <a:bodyPr>
-            <a:normAutofit/>
-          </a:bodyPr>
-          <a:lstStyle/>
-          <a:p>
-            <a:pPr algn="ctr"/>
-            <a:r>
-              <a:rPr lang="en-US" sz="5400" dirty="0">
-                <a:solidFill>
-                  <a:schemeClr val="bg1">
-                    <a:lumMod val="95000"/>
-                    <a:lumOff val="5000"/>
-                  </a:schemeClr>
-                </a:solidFill>
-              </a:rPr>
-              <a:t>Demo </a:t>
-            </a:r>
-            <a:r>
-              <a:rPr lang="en-US" sz="5400" dirty="0" err="1">
-                <a:solidFill>
-                  <a:schemeClr val="bg1">
-                    <a:lumMod val="95000"/>
-                    <a:lumOff val="5000"/>
-                  </a:schemeClr>
-                </a:solidFill>
-              </a:rPr>
-              <a:t>FsLab</a:t>
-            </a:r>
-            <a:r>
-              <a:rPr lang="en-US" sz="5400" dirty="0">
-                <a:solidFill>
-                  <a:schemeClr val="bg1">
-                    <a:lumMod val="95000"/>
-                    <a:lumOff val="5000"/>
-                  </a:schemeClr>
-                </a:solidFill>
-              </a:rPr>
-              <a:t> Journal</a:t>
-            </a:r>
-          </a:p>
-        </p:txBody>
-      </p:sp>
-    </p:spTree>
-    <p:extLst>
-      <p:ext uri="{BB962C8B-B14F-4D97-AF65-F5344CB8AC3E}">
-        <p14:creationId xmlns:p14="http://schemas.microsoft.com/office/powerpoint/2010/main" val="1245637754"/>
-      </p:ext>
-    </p:extLst>
-  </p:cSld>
-  <p:clrMapOvr>
-    <a:overrideClrMapping bg1="dk1" tx1="lt1" bg2="dk2" tx2="lt2" accent1="accent1" accent2="accent2" accent3="accent3" accent4="accent4" accent5="accent5" accent6="accent6" hlink="hlink" folHlink="folHlink"/>
   </p:clrMapOvr>
 </p:sld>
 </file>
